--- a/assets/bake_the_batter.pptx
+++ b/assets/bake_the_batter.pptx
@@ -1,32 +1,32 @@
 
 <file path=ppt/presentation.xml><?xml version="1.0" encoding="utf-8"?>
-<p:presentation xmlns:a="http://schemas.openxmlformats.org/drawingml/2006/main" xmlns:r="http://schemas.openxmlformats.org/officeDocument/2006/relationships" xmlns:mc="http://schemas.openxmlformats.org/markup-compatibility/2006" xmlns:mv="urn:schemas-microsoft-com:mac:vml" xmlns:p="http://schemas.openxmlformats.org/presentationml/2006/main" xmlns:c="http://schemas.openxmlformats.org/drawingml/2006/chart" xmlns:dgm="http://schemas.openxmlformats.org/drawingml/2006/diagram" xmlns:o="urn:schemas-microsoft-com:office:office" xmlns:v="urn:schemas-microsoft-com:vml" xmlns:pvml="urn:schemas-microsoft-com:office:powerpoint" xmlns:com="http://schemas.openxmlformats.org/drawingml/2006/compatibility" xmlns:p14="http://schemas.microsoft.com/office/powerpoint/2010/main" xmlns:p15="http://schemas.microsoft.com/office/powerpoint/2012/main" xmlns:ahyp="http://schemas.microsoft.com/office/drawing/2018/hyperlinkcolor" autoCompressPictures="0" embedTrueTypeFonts="1" strictFirstAndLastChars="0" saveSubsetFonts="1">
+<p:presentation xmlns:a="http://schemas.openxmlformats.org/drawingml/2006/main" xmlns:r="http://schemas.openxmlformats.org/officeDocument/2006/relationships" xmlns:p="http://schemas.openxmlformats.org/presentationml/2006/main" strictFirstAndLastChars="0" embedTrueTypeFonts="1" saveSubsetFonts="1" autoCompressPictures="0">
   <p:sldMasterIdLst>
-    <p:sldMasterId id="2147483659" r:id="rId4"/>
+    <p:sldMasterId id="2147483659" r:id="rId1"/>
   </p:sldMasterIdLst>
   <p:notesMasterIdLst>
-    <p:notesMasterId r:id="rId5"/>
+    <p:notesMasterId r:id="rId10"/>
   </p:notesMasterIdLst>
   <p:sldIdLst>
-    <p:sldId id="256" r:id="rId6"/>
-    <p:sldId id="257" r:id="rId7"/>
-    <p:sldId id="258" r:id="rId8"/>
-    <p:sldId id="259" r:id="rId9"/>
-    <p:sldId id="260" r:id="rId10"/>
-    <p:sldId id="261" r:id="rId11"/>
-    <p:sldId id="262" r:id="rId12"/>
-    <p:sldId id="263" r:id="rId13"/>
+    <p:sldId id="256" r:id="rId2"/>
+    <p:sldId id="257" r:id="rId3"/>
+    <p:sldId id="258" r:id="rId4"/>
+    <p:sldId id="259" r:id="rId5"/>
+    <p:sldId id="260" r:id="rId6"/>
+    <p:sldId id="261" r:id="rId7"/>
+    <p:sldId id="262" r:id="rId8"/>
+    <p:sldId id="263" r:id="rId9"/>
   </p:sldIdLst>
-  <p:sldSz cy="5143500" cx="9144000"/>
+  <p:sldSz cx="9144000" cy="5143500" type="screen16x9"/>
   <p:notesSz cx="6858000" cy="9144000"/>
   <p:embeddedFontLst>
     <p:embeddedFont>
-      <p:font typeface="Mukta ExtraBold"/>
-      <p:bold r:id="rId14"/>
+      <p:font typeface="Mukta ExtraBold" panose="020B0604020202020204" charset="0"/>
+      <p:bold r:id="rId11"/>
     </p:embeddedFont>
   </p:embeddedFontLst>
   <p:defaultTextStyle>
-    <a:defPPr lvl="0" marR="0" rtl="0" algn="l">
+    <a:defPPr marR="0" lvl="0" algn="l" rtl="0">
       <a:lnSpc>
         <a:spcPct val="100000"/>
       </a:lnSpc>
@@ -37,7 +37,7 @@
         <a:spcPts val="0"/>
       </a:spcAft>
     </a:defPPr>
-    <a:lvl1pPr lvl="0" marR="0" rtl="0" algn="l">
+    <a:lvl1pPr marR="0" lvl="0" algn="l" rtl="0">
       <a:lnSpc>
         <a:spcPct val="100000"/>
       </a:lnSpc>
@@ -51,7 +51,7 @@
         <a:srgbClr val="000000"/>
       </a:buClr>
       <a:buFont typeface="Arial"/>
-      <a:defRPr b="0" i="0" sz="1400" u="none" cap="none" strike="noStrike">
+      <a:defRPr sz="1400" b="0" i="0" u="none" strike="noStrike" cap="none">
         <a:solidFill>
           <a:srgbClr val="000000"/>
         </a:solidFill>
@@ -61,7 +61,7 @@
         <a:sym typeface="Arial"/>
       </a:defRPr>
     </a:lvl1pPr>
-    <a:lvl2pPr lvl="1" marR="0" rtl="0" algn="l">
+    <a:lvl2pPr marR="0" lvl="1" algn="l" rtl="0">
       <a:lnSpc>
         <a:spcPct val="100000"/>
       </a:lnSpc>
@@ -75,7 +75,7 @@
         <a:srgbClr val="000000"/>
       </a:buClr>
       <a:buFont typeface="Arial"/>
-      <a:defRPr b="0" i="0" sz="1400" u="none" cap="none" strike="noStrike">
+      <a:defRPr sz="1400" b="0" i="0" u="none" strike="noStrike" cap="none">
         <a:solidFill>
           <a:srgbClr val="000000"/>
         </a:solidFill>
@@ -85,7 +85,7 @@
         <a:sym typeface="Arial"/>
       </a:defRPr>
     </a:lvl2pPr>
-    <a:lvl3pPr lvl="2" marR="0" rtl="0" algn="l">
+    <a:lvl3pPr marR="0" lvl="2" algn="l" rtl="0">
       <a:lnSpc>
         <a:spcPct val="100000"/>
       </a:lnSpc>
@@ -99,7 +99,7 @@
         <a:srgbClr val="000000"/>
       </a:buClr>
       <a:buFont typeface="Arial"/>
-      <a:defRPr b="0" i="0" sz="1400" u="none" cap="none" strike="noStrike">
+      <a:defRPr sz="1400" b="0" i="0" u="none" strike="noStrike" cap="none">
         <a:solidFill>
           <a:srgbClr val="000000"/>
         </a:solidFill>
@@ -109,7 +109,7 @@
         <a:sym typeface="Arial"/>
       </a:defRPr>
     </a:lvl3pPr>
-    <a:lvl4pPr lvl="3" marR="0" rtl="0" algn="l">
+    <a:lvl4pPr marR="0" lvl="3" algn="l" rtl="0">
       <a:lnSpc>
         <a:spcPct val="100000"/>
       </a:lnSpc>
@@ -123,7 +123,7 @@
         <a:srgbClr val="000000"/>
       </a:buClr>
       <a:buFont typeface="Arial"/>
-      <a:defRPr b="0" i="0" sz="1400" u="none" cap="none" strike="noStrike">
+      <a:defRPr sz="1400" b="0" i="0" u="none" strike="noStrike" cap="none">
         <a:solidFill>
           <a:srgbClr val="000000"/>
         </a:solidFill>
@@ -133,7 +133,7 @@
         <a:sym typeface="Arial"/>
       </a:defRPr>
     </a:lvl4pPr>
-    <a:lvl5pPr lvl="4" marR="0" rtl="0" algn="l">
+    <a:lvl5pPr marR="0" lvl="4" algn="l" rtl="0">
       <a:lnSpc>
         <a:spcPct val="100000"/>
       </a:lnSpc>
@@ -147,7 +147,7 @@
         <a:srgbClr val="000000"/>
       </a:buClr>
       <a:buFont typeface="Arial"/>
-      <a:defRPr b="0" i="0" sz="1400" u="none" cap="none" strike="noStrike">
+      <a:defRPr sz="1400" b="0" i="0" u="none" strike="noStrike" cap="none">
         <a:solidFill>
           <a:srgbClr val="000000"/>
         </a:solidFill>
@@ -157,7 +157,7 @@
         <a:sym typeface="Arial"/>
       </a:defRPr>
     </a:lvl5pPr>
-    <a:lvl6pPr lvl="5" marR="0" rtl="0" algn="l">
+    <a:lvl6pPr marR="0" lvl="5" algn="l" rtl="0">
       <a:lnSpc>
         <a:spcPct val="100000"/>
       </a:lnSpc>
@@ -171,7 +171,7 @@
         <a:srgbClr val="000000"/>
       </a:buClr>
       <a:buFont typeface="Arial"/>
-      <a:defRPr b="0" i="0" sz="1400" u="none" cap="none" strike="noStrike">
+      <a:defRPr sz="1400" b="0" i="0" u="none" strike="noStrike" cap="none">
         <a:solidFill>
           <a:srgbClr val="000000"/>
         </a:solidFill>
@@ -181,7 +181,7 @@
         <a:sym typeface="Arial"/>
       </a:defRPr>
     </a:lvl6pPr>
-    <a:lvl7pPr lvl="6" marR="0" rtl="0" algn="l">
+    <a:lvl7pPr marR="0" lvl="6" algn="l" rtl="0">
       <a:lnSpc>
         <a:spcPct val="100000"/>
       </a:lnSpc>
@@ -195,7 +195,7 @@
         <a:srgbClr val="000000"/>
       </a:buClr>
       <a:buFont typeface="Arial"/>
-      <a:defRPr b="0" i="0" sz="1400" u="none" cap="none" strike="noStrike">
+      <a:defRPr sz="1400" b="0" i="0" u="none" strike="noStrike" cap="none">
         <a:solidFill>
           <a:srgbClr val="000000"/>
         </a:solidFill>
@@ -205,7 +205,7 @@
         <a:sym typeface="Arial"/>
       </a:defRPr>
     </a:lvl7pPr>
-    <a:lvl8pPr lvl="7" marR="0" rtl="0" algn="l">
+    <a:lvl8pPr marR="0" lvl="7" algn="l" rtl="0">
       <a:lnSpc>
         <a:spcPct val="100000"/>
       </a:lnSpc>
@@ -219,7 +219,7 @@
         <a:srgbClr val="000000"/>
       </a:buClr>
       <a:buFont typeface="Arial"/>
-      <a:defRPr b="0" i="0" sz="1400" u="none" cap="none" strike="noStrike">
+      <a:defRPr sz="1400" b="0" i="0" u="none" strike="noStrike" cap="none">
         <a:solidFill>
           <a:srgbClr val="000000"/>
         </a:solidFill>
@@ -229,7 +229,7 @@
         <a:sym typeface="Arial"/>
       </a:defRPr>
     </a:lvl8pPr>
-    <a:lvl9pPr lvl="8" marR="0" rtl="0" algn="l">
+    <a:lvl9pPr marR="0" lvl="8" algn="l" rtl="0">
       <a:lnSpc>
         <a:spcPct val="100000"/>
       </a:lnSpc>
@@ -243,7 +243,7 @@
         <a:srgbClr val="000000"/>
       </a:buClr>
       <a:buFont typeface="Arial"/>
-      <a:defRPr b="0" i="0" sz="1400" u="none" cap="none" strike="noStrike">
+      <a:defRPr sz="1400" b="0" i="0" u="none" strike="noStrike" cap="none">
         <a:solidFill>
           <a:srgbClr val="000000"/>
         </a:solidFill>
@@ -256,7 +256,7 @@
   </p:defaultTextStyle>
   <p:extLst>
     <p:ext uri="{EFAFB233-063F-42B5-8137-9DF3F51BA10A}">
-      <p15:sldGuideLst>
+      <p15:sldGuideLst xmlns:p15="http://schemas.microsoft.com/office/powerpoint/2012/main">
         <p15:guide id="1" orient="horz" pos="1620">
           <p15:clr>
             <a:srgbClr val="A4A3A4"/>
@@ -274,11 +274,16 @@
 </file>
 
 <file path=ppt/notesMasters/notesMaster1.xml><?xml version="1.0" encoding="utf-8"?>
-<p:notesMaster xmlns:a="http://schemas.openxmlformats.org/drawingml/2006/main" xmlns:r="http://schemas.openxmlformats.org/officeDocument/2006/relationships" xmlns:mc="http://schemas.openxmlformats.org/markup-compatibility/2006" xmlns:mv="urn:schemas-microsoft-com:mac:vml" xmlns:p="http://schemas.openxmlformats.org/presentationml/2006/main" xmlns:c="http://schemas.openxmlformats.org/drawingml/2006/chart" xmlns:dgm="http://schemas.openxmlformats.org/drawingml/2006/diagram" xmlns:o="urn:schemas-microsoft-com:office:office" xmlns:v="urn:schemas-microsoft-com:vml" xmlns:pvml="urn:schemas-microsoft-com:office:powerpoint" xmlns:com="http://schemas.openxmlformats.org/drawingml/2006/compatibility" xmlns:p14="http://schemas.microsoft.com/office/powerpoint/2010/main" xmlns:p15="http://schemas.microsoft.com/office/powerpoint/2012/main" xmlns:ahyp="http://schemas.microsoft.com/office/drawing/2018/hyperlinkcolor">
+<p:notesMaster xmlns:a="http://schemas.openxmlformats.org/drawingml/2006/main" xmlns:r="http://schemas.openxmlformats.org/officeDocument/2006/relationships" xmlns:p="http://schemas.openxmlformats.org/presentationml/2006/main">
   <p:cSld>
+    <p:bg>
+      <p:bgRef idx="1001">
+        <a:schemeClr val="bg1"/>
+      </p:bgRef>
+    </p:bg>
     <p:spTree>
       <p:nvGrpSpPr>
-        <p:cNvPr id="2" name="Shape 2"/>
+        <p:cNvPr id="1" name="Shape 2"/>
         <p:cNvGrpSpPr/>
         <p:nvPr/>
       </p:nvGrpSpPr>
@@ -293,9 +298,11 @@
       <p:sp>
         <p:nvSpPr>
           <p:cNvPr id="3" name="Google Shape;3;n"/>
-          <p:cNvSpPr/>
+          <p:cNvSpPr>
+            <a:spLocks noGrp="1" noRot="1" noChangeAspect="1"/>
+          </p:cNvSpPr>
           <p:nvPr>
-            <p:ph idx="2" type="sldImg"/>
+            <p:ph type="sldImg" idx="2"/>
           </p:nvPr>
         </p:nvSpPr>
         <p:spPr>
@@ -304,9 +311,13 @@
             <a:ext cx="6096075" cy="3429000"/>
           </a:xfrm>
           <a:custGeom>
-            <a:rect b="b" l="l" r="r" t="t"/>
+            <a:avLst/>
+            <a:gdLst/>
+            <a:ahLst/>
+            <a:cxnLst/>
+            <a:rect l="l" t="t" r="r" b="b"/>
             <a:pathLst>
-              <a:path extrusionOk="0" h="120000" w="120000">
+              <a:path w="120000" h="120000" extrusionOk="0">
                 <a:moveTo>
                   <a:pt x="0" y="0"/>
                 </a:moveTo>
@@ -324,23 +335,25 @@
             </a:pathLst>
           </a:custGeom>
           <a:noFill/>
-          <a:ln cap="flat" cmpd="sng" w="9525">
+          <a:ln w="9525" cap="flat" cmpd="sng">
             <a:solidFill>
               <a:srgbClr val="000000"/>
             </a:solidFill>
             <a:prstDash val="solid"/>
             <a:round/>
-            <a:headEnd len="sm" w="sm" type="none"/>
-            <a:tailEnd len="sm" w="sm" type="none"/>
+            <a:headEnd type="none" w="sm" len="sm"/>
+            <a:tailEnd type="none" w="sm" len="sm"/>
           </a:ln>
         </p:spPr>
       </p:sp>
       <p:sp>
         <p:nvSpPr>
           <p:cNvPr id="4" name="Google Shape;4;n"/>
-          <p:cNvSpPr txBox="1"/>
+          <p:cNvSpPr txBox="1">
+            <a:spLocks noGrp="1"/>
+          </p:cNvSpPr>
           <p:nvPr>
-            <p:ph idx="1" type="body"/>
+            <p:ph type="body" idx="1"/>
           </p:nvPr>
         </p:nvSpPr>
         <p:spPr>
@@ -357,11 +370,11 @@
           </a:ln>
         </p:spPr>
         <p:txBody>
-          <a:bodyPr anchorCtr="0" anchor="t" bIns="91425" lIns="91425" spcFirstLastPara="1" rIns="91425" wrap="square" tIns="91425">
+          <a:bodyPr spcFirstLastPara="1" wrap="square" lIns="91425" tIns="91425" rIns="91425" bIns="91425" anchor="t" anchorCtr="0">
             <a:noAutofit/>
           </a:bodyPr>
           <a:lstStyle>
-            <a:lvl1pPr indent="-298450" lvl="0" marL="457200">
+            <a:lvl1pPr marL="457200" lvl="0" indent="-298450">
               <a:spcBef>
                 <a:spcPts val="0"/>
               </a:spcBef>
@@ -372,7 +385,7 @@
               <a:buChar char="●"/>
               <a:defRPr sz="1100"/>
             </a:lvl1pPr>
-            <a:lvl2pPr indent="-298450" lvl="1" marL="914400">
+            <a:lvl2pPr marL="914400" lvl="1" indent="-298450">
               <a:spcBef>
                 <a:spcPts val="0"/>
               </a:spcBef>
@@ -383,7 +396,7 @@
               <a:buChar char="○"/>
               <a:defRPr sz="1100"/>
             </a:lvl2pPr>
-            <a:lvl3pPr indent="-298450" lvl="2" marL="1371600">
+            <a:lvl3pPr marL="1371600" lvl="2" indent="-298450">
               <a:spcBef>
                 <a:spcPts val="0"/>
               </a:spcBef>
@@ -394,7 +407,7 @@
               <a:buChar char="■"/>
               <a:defRPr sz="1100"/>
             </a:lvl3pPr>
-            <a:lvl4pPr indent="-298450" lvl="3" marL="1828800">
+            <a:lvl4pPr marL="1828800" lvl="3" indent="-298450">
               <a:spcBef>
                 <a:spcPts val="0"/>
               </a:spcBef>
@@ -405,7 +418,7 @@
               <a:buChar char="●"/>
               <a:defRPr sz="1100"/>
             </a:lvl4pPr>
-            <a:lvl5pPr indent="-298450" lvl="4" marL="2286000">
+            <a:lvl5pPr marL="2286000" lvl="4" indent="-298450">
               <a:spcBef>
                 <a:spcPts val="0"/>
               </a:spcBef>
@@ -416,7 +429,7 @@
               <a:buChar char="○"/>
               <a:defRPr sz="1100"/>
             </a:lvl5pPr>
-            <a:lvl6pPr indent="-298450" lvl="5" marL="2743200">
+            <a:lvl6pPr marL="2743200" lvl="5" indent="-298450">
               <a:spcBef>
                 <a:spcPts val="0"/>
               </a:spcBef>
@@ -427,7 +440,7 @@
               <a:buChar char="■"/>
               <a:defRPr sz="1100"/>
             </a:lvl6pPr>
-            <a:lvl7pPr indent="-298450" lvl="6" marL="3200400">
+            <a:lvl7pPr marL="3200400" lvl="6" indent="-298450">
               <a:spcBef>
                 <a:spcPts val="0"/>
               </a:spcBef>
@@ -438,7 +451,7 @@
               <a:buChar char="●"/>
               <a:defRPr sz="1100"/>
             </a:lvl7pPr>
-            <a:lvl8pPr indent="-298450" lvl="7" marL="3657600">
+            <a:lvl8pPr marL="3657600" lvl="7" indent="-298450">
               <a:spcBef>
                 <a:spcPts val="0"/>
               </a:spcBef>
@@ -449,7 +462,7 @@
               <a:buChar char="○"/>
               <a:defRPr sz="1100"/>
             </a:lvl8pPr>
-            <a:lvl9pPr indent="-298450" lvl="8" marL="4114800">
+            <a:lvl9pPr marL="4114800" lvl="8" indent="-298450">
               <a:spcBef>
                 <a:spcPts val="0"/>
               </a:spcBef>
@@ -461,14 +474,16 @@
               <a:defRPr sz="1100"/>
             </a:lvl9pPr>
           </a:lstStyle>
-          <a:p/>
+          <a:p>
+            <a:endParaRPr/>
+          </a:p>
         </p:txBody>
       </p:sp>
     </p:spTree>
   </p:cSld>
-  <p:clrMap accent1="accent1" accent2="accent2" accent3="accent3" accent4="accent4" accent5="accent5" accent6="accent6" bg1="lt1" bg2="dk2" tx1="dk1" tx2="lt2" folHlink="folHlink" hlink="hlink"/>
+  <p:clrMap bg1="lt1" tx1="dk1" bg2="dk2" tx2="lt2" accent1="accent1" accent2="accent2" accent3="accent3" accent4="accent4" accent5="accent5" accent6="accent6" hlink="hlink" folHlink="folHlink"/>
   <p:notesStyle>
-    <a:defPPr lvl="0" marR="0" rtl="0" algn="l">
+    <a:defPPr marR="0" lvl="0" algn="l" rtl="0">
       <a:lnSpc>
         <a:spcPct val="100000"/>
       </a:lnSpc>
@@ -479,7 +494,7 @@
         <a:spcPts val="0"/>
       </a:spcAft>
     </a:defPPr>
-    <a:lvl1pPr lvl="0" marR="0" rtl="0" algn="l">
+    <a:lvl1pPr marR="0" lvl="0" algn="l" rtl="0">
       <a:lnSpc>
         <a:spcPct val="100000"/>
       </a:lnSpc>
@@ -493,7 +508,7 @@
         <a:srgbClr val="000000"/>
       </a:buClr>
       <a:buFont typeface="Arial"/>
-      <a:defRPr b="0" i="0" sz="1400" u="none" cap="none" strike="noStrike">
+      <a:defRPr sz="1400" b="0" i="0" u="none" strike="noStrike" cap="none">
         <a:solidFill>
           <a:srgbClr val="000000"/>
         </a:solidFill>
@@ -503,7 +518,7 @@
         <a:sym typeface="Arial"/>
       </a:defRPr>
     </a:lvl1pPr>
-    <a:lvl2pPr lvl="1" marR="0" rtl="0" algn="l">
+    <a:lvl2pPr marR="0" lvl="1" algn="l" rtl="0">
       <a:lnSpc>
         <a:spcPct val="100000"/>
       </a:lnSpc>
@@ -517,7 +532,7 @@
         <a:srgbClr val="000000"/>
       </a:buClr>
       <a:buFont typeface="Arial"/>
-      <a:defRPr b="0" i="0" sz="1400" u="none" cap="none" strike="noStrike">
+      <a:defRPr sz="1400" b="0" i="0" u="none" strike="noStrike" cap="none">
         <a:solidFill>
           <a:srgbClr val="000000"/>
         </a:solidFill>
@@ -527,7 +542,7 @@
         <a:sym typeface="Arial"/>
       </a:defRPr>
     </a:lvl2pPr>
-    <a:lvl3pPr lvl="2" marR="0" rtl="0" algn="l">
+    <a:lvl3pPr marR="0" lvl="2" algn="l" rtl="0">
       <a:lnSpc>
         <a:spcPct val="100000"/>
       </a:lnSpc>
@@ -541,7 +556,7 @@
         <a:srgbClr val="000000"/>
       </a:buClr>
       <a:buFont typeface="Arial"/>
-      <a:defRPr b="0" i="0" sz="1400" u="none" cap="none" strike="noStrike">
+      <a:defRPr sz="1400" b="0" i="0" u="none" strike="noStrike" cap="none">
         <a:solidFill>
           <a:srgbClr val="000000"/>
         </a:solidFill>
@@ -551,7 +566,7 @@
         <a:sym typeface="Arial"/>
       </a:defRPr>
     </a:lvl3pPr>
-    <a:lvl4pPr lvl="3" marR="0" rtl="0" algn="l">
+    <a:lvl4pPr marR="0" lvl="3" algn="l" rtl="0">
       <a:lnSpc>
         <a:spcPct val="100000"/>
       </a:lnSpc>
@@ -565,7 +580,7 @@
         <a:srgbClr val="000000"/>
       </a:buClr>
       <a:buFont typeface="Arial"/>
-      <a:defRPr b="0" i="0" sz="1400" u="none" cap="none" strike="noStrike">
+      <a:defRPr sz="1400" b="0" i="0" u="none" strike="noStrike" cap="none">
         <a:solidFill>
           <a:srgbClr val="000000"/>
         </a:solidFill>
@@ -575,7 +590,7 @@
         <a:sym typeface="Arial"/>
       </a:defRPr>
     </a:lvl4pPr>
-    <a:lvl5pPr lvl="4" marR="0" rtl="0" algn="l">
+    <a:lvl5pPr marR="0" lvl="4" algn="l" rtl="0">
       <a:lnSpc>
         <a:spcPct val="100000"/>
       </a:lnSpc>
@@ -589,7 +604,7 @@
         <a:srgbClr val="000000"/>
       </a:buClr>
       <a:buFont typeface="Arial"/>
-      <a:defRPr b="0" i="0" sz="1400" u="none" cap="none" strike="noStrike">
+      <a:defRPr sz="1400" b="0" i="0" u="none" strike="noStrike" cap="none">
         <a:solidFill>
           <a:srgbClr val="000000"/>
         </a:solidFill>
@@ -599,7 +614,7 @@
         <a:sym typeface="Arial"/>
       </a:defRPr>
     </a:lvl5pPr>
-    <a:lvl6pPr lvl="5" marR="0" rtl="0" algn="l">
+    <a:lvl6pPr marR="0" lvl="5" algn="l" rtl="0">
       <a:lnSpc>
         <a:spcPct val="100000"/>
       </a:lnSpc>
@@ -613,7 +628,7 @@
         <a:srgbClr val="000000"/>
       </a:buClr>
       <a:buFont typeface="Arial"/>
-      <a:defRPr b="0" i="0" sz="1400" u="none" cap="none" strike="noStrike">
+      <a:defRPr sz="1400" b="0" i="0" u="none" strike="noStrike" cap="none">
         <a:solidFill>
           <a:srgbClr val="000000"/>
         </a:solidFill>
@@ -623,7 +638,7 @@
         <a:sym typeface="Arial"/>
       </a:defRPr>
     </a:lvl6pPr>
-    <a:lvl7pPr lvl="6" marR="0" rtl="0" algn="l">
+    <a:lvl7pPr marR="0" lvl="6" algn="l" rtl="0">
       <a:lnSpc>
         <a:spcPct val="100000"/>
       </a:lnSpc>
@@ -637,7 +652,7 @@
         <a:srgbClr val="000000"/>
       </a:buClr>
       <a:buFont typeface="Arial"/>
-      <a:defRPr b="0" i="0" sz="1400" u="none" cap="none" strike="noStrike">
+      <a:defRPr sz="1400" b="0" i="0" u="none" strike="noStrike" cap="none">
         <a:solidFill>
           <a:srgbClr val="000000"/>
         </a:solidFill>
@@ -647,7 +662,7 @@
         <a:sym typeface="Arial"/>
       </a:defRPr>
     </a:lvl7pPr>
-    <a:lvl8pPr lvl="7" marR="0" rtl="0" algn="l">
+    <a:lvl8pPr marR="0" lvl="7" algn="l" rtl="0">
       <a:lnSpc>
         <a:spcPct val="100000"/>
       </a:lnSpc>
@@ -661,7 +676,7 @@
         <a:srgbClr val="000000"/>
       </a:buClr>
       <a:buFont typeface="Arial"/>
-      <a:defRPr b="0" i="0" sz="1400" u="none" cap="none" strike="noStrike">
+      <a:defRPr sz="1400" b="0" i="0" u="none" strike="noStrike" cap="none">
         <a:solidFill>
           <a:srgbClr val="000000"/>
         </a:solidFill>
@@ -671,7 +686,7 @@
         <a:sym typeface="Arial"/>
       </a:defRPr>
     </a:lvl8pPr>
-    <a:lvl9pPr lvl="8" marR="0" rtl="0" algn="l">
+    <a:lvl9pPr marR="0" lvl="8" algn="l" rtl="0">
       <a:lnSpc>
         <a:spcPct val="100000"/>
       </a:lnSpc>
@@ -685,7 +700,7 @@
         <a:srgbClr val="000000"/>
       </a:buClr>
       <a:buFont typeface="Arial"/>
-      <a:defRPr b="0" i="0" sz="1400" u="none" cap="none" strike="noStrike">
+      <a:defRPr sz="1400" b="0" i="0" u="none" strike="noStrike" cap="none">
         <a:solidFill>
           <a:srgbClr val="000000"/>
         </a:solidFill>
@@ -700,11 +715,11 @@
 </file>
 
 <file path=ppt/notesSlides/notesSlide1.xml><?xml version="1.0" encoding="utf-8"?>
-<p:notes xmlns:a="http://schemas.openxmlformats.org/drawingml/2006/main" xmlns:r="http://schemas.openxmlformats.org/officeDocument/2006/relationships" xmlns:mc="http://schemas.openxmlformats.org/markup-compatibility/2006" xmlns:mv="urn:schemas-microsoft-com:mac:vml" xmlns:p="http://schemas.openxmlformats.org/presentationml/2006/main" xmlns:c="http://schemas.openxmlformats.org/drawingml/2006/chart" xmlns:dgm="http://schemas.openxmlformats.org/drawingml/2006/diagram" xmlns:o="urn:schemas-microsoft-com:office:office" xmlns:v="urn:schemas-microsoft-com:vml" xmlns:pvml="urn:schemas-microsoft-com:office:powerpoint" xmlns:com="http://schemas.openxmlformats.org/drawingml/2006/compatibility" xmlns:p14="http://schemas.microsoft.com/office/powerpoint/2010/main" xmlns:p15="http://schemas.microsoft.com/office/powerpoint/2012/main" xmlns:ahyp="http://schemas.microsoft.com/office/drawing/2018/hyperlinkcolor" showMasterPhAnim="0" showMasterSp="0">
+<p:notes xmlns:a="http://schemas.openxmlformats.org/drawingml/2006/main" xmlns:r="http://schemas.openxmlformats.org/officeDocument/2006/relationships" xmlns:p="http://schemas.openxmlformats.org/presentationml/2006/main" showMasterSp="0" showMasterPhAnim="0">
   <p:cSld>
     <p:spTree>
       <p:nvGrpSpPr>
-        <p:cNvPr id="50" name="Shape 50"/>
+        <p:cNvPr id="1" name="Shape 50"/>
         <p:cNvGrpSpPr/>
         <p:nvPr/>
       </p:nvGrpSpPr>
@@ -719,20 +734,26 @@
       <p:sp>
         <p:nvSpPr>
           <p:cNvPr id="51" name="Google Shape;51;p:notes"/>
-          <p:cNvSpPr/>
+          <p:cNvSpPr>
+            <a:spLocks noGrp="1" noRot="1" noChangeAspect="1"/>
+          </p:cNvSpPr>
           <p:nvPr>
-            <p:ph idx="2" type="sldImg"/>
+            <p:ph type="sldImg" idx="2"/>
           </p:nvPr>
         </p:nvSpPr>
         <p:spPr>
           <a:xfrm>
-            <a:off x="381300" y="685800"/>
-            <a:ext cx="6096075" cy="3429000"/>
+            <a:off x="381000" y="685800"/>
+            <a:ext cx="6096000" cy="3429000"/>
           </a:xfrm>
           <a:custGeom>
-            <a:rect b="b" l="l" r="r" t="t"/>
+            <a:avLst/>
+            <a:gdLst/>
+            <a:ahLst/>
+            <a:cxnLst/>
+            <a:rect l="l" t="t" r="r" b="b"/>
             <a:pathLst>
-              <a:path extrusionOk="0" h="120000" w="120000">
+              <a:path w="120000" h="120000" extrusionOk="0">
                 <a:moveTo>
                   <a:pt x="0" y="0"/>
                 </a:moveTo>
@@ -754,9 +775,11 @@
       <p:sp>
         <p:nvSpPr>
           <p:cNvPr id="52" name="Google Shape;52;p:notes"/>
-          <p:cNvSpPr txBox="1"/>
+          <p:cNvSpPr txBox="1">
+            <a:spLocks noGrp="1"/>
+          </p:cNvSpPr>
           <p:nvPr>
-            <p:ph idx="1" type="body"/>
+            <p:ph type="body" idx="1"/>
           </p:nvPr>
         </p:nvSpPr>
         <p:spPr>
@@ -769,12 +792,12 @@
           </a:prstGeom>
         </p:spPr>
         <p:txBody>
-          <a:bodyPr anchorCtr="0" anchor="t" bIns="91425" lIns="91425" spcFirstLastPara="1" rIns="91425" wrap="square" tIns="91425">
+          <a:bodyPr spcFirstLastPara="1" wrap="square" lIns="91425" tIns="91425" rIns="91425" bIns="91425" anchor="t" anchorCtr="0">
             <a:noAutofit/>
           </a:bodyPr>
           <a:lstStyle/>
           <a:p>
-            <a:pPr indent="0" lvl="0" marL="0" rtl="0" algn="l">
+            <a:pPr marL="0" lvl="0" indent="0" algn="l" rtl="0">
               <a:spcBef>
                 <a:spcPts val="0"/>
               </a:spcBef>
@@ -783,9 +806,6 @@
               </a:spcAft>
               <a:buNone/>
             </a:pPr>
-            <a:r>
-              <a:t/>
-            </a:r>
             <a:endParaRPr/>
           </a:p>
         </p:txBody>
@@ -799,11 +819,11 @@
 </file>
 
 <file path=ppt/notesSlides/notesSlide2.xml><?xml version="1.0" encoding="utf-8"?>
-<p:notes xmlns:a="http://schemas.openxmlformats.org/drawingml/2006/main" xmlns:r="http://schemas.openxmlformats.org/officeDocument/2006/relationships" xmlns:mc="http://schemas.openxmlformats.org/markup-compatibility/2006" xmlns:mv="urn:schemas-microsoft-com:mac:vml" xmlns:p="http://schemas.openxmlformats.org/presentationml/2006/main" xmlns:c="http://schemas.openxmlformats.org/drawingml/2006/chart" xmlns:dgm="http://schemas.openxmlformats.org/drawingml/2006/diagram" xmlns:o="urn:schemas-microsoft-com:office:office" xmlns:v="urn:schemas-microsoft-com:vml" xmlns:pvml="urn:schemas-microsoft-com:office:powerpoint" xmlns:com="http://schemas.openxmlformats.org/drawingml/2006/compatibility" xmlns:p14="http://schemas.microsoft.com/office/powerpoint/2010/main" xmlns:p15="http://schemas.microsoft.com/office/powerpoint/2012/main" xmlns:ahyp="http://schemas.microsoft.com/office/drawing/2018/hyperlinkcolor" showMasterPhAnim="0" showMasterSp="0">
+<p:notes xmlns:a="http://schemas.openxmlformats.org/drawingml/2006/main" xmlns:r="http://schemas.openxmlformats.org/officeDocument/2006/relationships" xmlns:p="http://schemas.openxmlformats.org/presentationml/2006/main" showMasterSp="0" showMasterPhAnim="0">
   <p:cSld>
     <p:spTree>
       <p:nvGrpSpPr>
-        <p:cNvPr id="58" name="Shape 58"/>
+        <p:cNvPr id="1" name="Shape 58"/>
         <p:cNvGrpSpPr/>
         <p:nvPr/>
       </p:nvGrpSpPr>
@@ -818,9 +838,11 @@
       <p:sp>
         <p:nvSpPr>
           <p:cNvPr id="59" name="Google Shape;59;g13b083a32ba_0_0:notes"/>
-          <p:cNvSpPr/>
+          <p:cNvSpPr>
+            <a:spLocks noGrp="1" noRot="1" noChangeAspect="1"/>
+          </p:cNvSpPr>
           <p:nvPr>
-            <p:ph idx="2" type="sldImg"/>
+            <p:ph type="sldImg" idx="2"/>
           </p:nvPr>
         </p:nvSpPr>
         <p:spPr>
@@ -829,9 +851,13 @@
             <a:ext cx="6096000" cy="3429000"/>
           </a:xfrm>
           <a:custGeom>
-            <a:rect b="b" l="l" r="r" t="t"/>
+            <a:avLst/>
+            <a:gdLst/>
+            <a:ahLst/>
+            <a:cxnLst/>
+            <a:rect l="l" t="t" r="r" b="b"/>
             <a:pathLst>
-              <a:path extrusionOk="0" h="120000" w="120000">
+              <a:path w="120000" h="120000" extrusionOk="0">
                 <a:moveTo>
                   <a:pt x="0" y="0"/>
                 </a:moveTo>
@@ -853,9 +879,11 @@
       <p:sp>
         <p:nvSpPr>
           <p:cNvPr id="60" name="Google Shape;60;g13b083a32ba_0_0:notes"/>
-          <p:cNvSpPr txBox="1"/>
+          <p:cNvSpPr txBox="1">
+            <a:spLocks noGrp="1"/>
+          </p:cNvSpPr>
           <p:nvPr>
-            <p:ph idx="1" type="body"/>
+            <p:ph type="body" idx="1"/>
           </p:nvPr>
         </p:nvSpPr>
         <p:spPr>
@@ -868,12 +896,12 @@
           </a:prstGeom>
         </p:spPr>
         <p:txBody>
-          <a:bodyPr anchorCtr="0" anchor="t" bIns="91425" lIns="91425" spcFirstLastPara="1" rIns="91425" wrap="square" tIns="91425">
+          <a:bodyPr spcFirstLastPara="1" wrap="square" lIns="91425" tIns="91425" rIns="91425" bIns="91425" anchor="t" anchorCtr="0">
             <a:noAutofit/>
           </a:bodyPr>
           <a:lstStyle/>
           <a:p>
-            <a:pPr indent="0" lvl="0" marL="0" rtl="0" algn="l">
+            <a:pPr marL="0" lvl="0" indent="0" algn="l" rtl="0">
               <a:spcBef>
                 <a:spcPts val="0"/>
               </a:spcBef>
@@ -882,9 +910,6 @@
               </a:spcAft>
               <a:buNone/>
             </a:pPr>
-            <a:r>
-              <a:t/>
-            </a:r>
             <a:endParaRPr/>
           </a:p>
         </p:txBody>
@@ -898,11 +923,11 @@
 </file>
 
 <file path=ppt/notesSlides/notesSlide3.xml><?xml version="1.0" encoding="utf-8"?>
-<p:notes xmlns:a="http://schemas.openxmlformats.org/drawingml/2006/main" xmlns:r="http://schemas.openxmlformats.org/officeDocument/2006/relationships" xmlns:mc="http://schemas.openxmlformats.org/markup-compatibility/2006" xmlns:mv="urn:schemas-microsoft-com:mac:vml" xmlns:p="http://schemas.openxmlformats.org/presentationml/2006/main" xmlns:c="http://schemas.openxmlformats.org/drawingml/2006/chart" xmlns:dgm="http://schemas.openxmlformats.org/drawingml/2006/diagram" xmlns:o="urn:schemas-microsoft-com:office:office" xmlns:v="urn:schemas-microsoft-com:vml" xmlns:pvml="urn:schemas-microsoft-com:office:powerpoint" xmlns:com="http://schemas.openxmlformats.org/drawingml/2006/compatibility" xmlns:p14="http://schemas.microsoft.com/office/powerpoint/2010/main" xmlns:p15="http://schemas.microsoft.com/office/powerpoint/2012/main" xmlns:ahyp="http://schemas.microsoft.com/office/drawing/2018/hyperlinkcolor" showMasterPhAnim="0" showMasterSp="0">
+<p:notes xmlns:a="http://schemas.openxmlformats.org/drawingml/2006/main" xmlns:r="http://schemas.openxmlformats.org/officeDocument/2006/relationships" xmlns:p="http://schemas.openxmlformats.org/presentationml/2006/main" showMasterSp="0" showMasterPhAnim="0">
   <p:cSld>
     <p:spTree>
       <p:nvGrpSpPr>
-        <p:cNvPr id="64" name="Shape 64"/>
+        <p:cNvPr id="1" name="Shape 64"/>
         <p:cNvGrpSpPr/>
         <p:nvPr/>
       </p:nvGrpSpPr>
@@ -917,9 +942,11 @@
       <p:sp>
         <p:nvSpPr>
           <p:cNvPr id="65" name="Google Shape;65;g13b083a32ba_0_6:notes"/>
-          <p:cNvSpPr/>
+          <p:cNvSpPr>
+            <a:spLocks noGrp="1" noRot="1" noChangeAspect="1"/>
+          </p:cNvSpPr>
           <p:nvPr>
-            <p:ph idx="2" type="sldImg"/>
+            <p:ph type="sldImg" idx="2"/>
           </p:nvPr>
         </p:nvSpPr>
         <p:spPr>
@@ -928,9 +955,13 @@
             <a:ext cx="6096000" cy="3429000"/>
           </a:xfrm>
           <a:custGeom>
-            <a:rect b="b" l="l" r="r" t="t"/>
+            <a:avLst/>
+            <a:gdLst/>
+            <a:ahLst/>
+            <a:cxnLst/>
+            <a:rect l="l" t="t" r="r" b="b"/>
             <a:pathLst>
-              <a:path extrusionOk="0" h="120000" w="120000">
+              <a:path w="120000" h="120000" extrusionOk="0">
                 <a:moveTo>
                   <a:pt x="0" y="0"/>
                 </a:moveTo>
@@ -952,9 +983,11 @@
       <p:sp>
         <p:nvSpPr>
           <p:cNvPr id="66" name="Google Shape;66;g13b083a32ba_0_6:notes"/>
-          <p:cNvSpPr txBox="1"/>
+          <p:cNvSpPr txBox="1">
+            <a:spLocks noGrp="1"/>
+          </p:cNvSpPr>
           <p:nvPr>
-            <p:ph idx="1" type="body"/>
+            <p:ph type="body" idx="1"/>
           </p:nvPr>
         </p:nvSpPr>
         <p:spPr>
@@ -967,12 +1000,12 @@
           </a:prstGeom>
         </p:spPr>
         <p:txBody>
-          <a:bodyPr anchorCtr="0" anchor="t" bIns="91425" lIns="91425" spcFirstLastPara="1" rIns="91425" wrap="square" tIns="91425">
+          <a:bodyPr spcFirstLastPara="1" wrap="square" lIns="91425" tIns="91425" rIns="91425" bIns="91425" anchor="t" anchorCtr="0">
             <a:noAutofit/>
           </a:bodyPr>
           <a:lstStyle/>
           <a:p>
-            <a:pPr indent="0" lvl="0" marL="0" rtl="0" algn="l">
+            <a:pPr marL="0" lvl="0" indent="0" algn="l" rtl="0">
               <a:spcBef>
                 <a:spcPts val="0"/>
               </a:spcBef>
@@ -981,9 +1014,6 @@
               </a:spcAft>
               <a:buNone/>
             </a:pPr>
-            <a:r>
-              <a:t/>
-            </a:r>
             <a:endParaRPr/>
           </a:p>
         </p:txBody>
@@ -997,11 +1027,11 @@
 </file>
 
 <file path=ppt/notesSlides/notesSlide4.xml><?xml version="1.0" encoding="utf-8"?>
-<p:notes xmlns:a="http://schemas.openxmlformats.org/drawingml/2006/main" xmlns:r="http://schemas.openxmlformats.org/officeDocument/2006/relationships" xmlns:mc="http://schemas.openxmlformats.org/markup-compatibility/2006" xmlns:mv="urn:schemas-microsoft-com:mac:vml" xmlns:p="http://schemas.openxmlformats.org/presentationml/2006/main" xmlns:c="http://schemas.openxmlformats.org/drawingml/2006/chart" xmlns:dgm="http://schemas.openxmlformats.org/drawingml/2006/diagram" xmlns:o="urn:schemas-microsoft-com:office:office" xmlns:v="urn:schemas-microsoft-com:vml" xmlns:pvml="urn:schemas-microsoft-com:office:powerpoint" xmlns:com="http://schemas.openxmlformats.org/drawingml/2006/compatibility" xmlns:p14="http://schemas.microsoft.com/office/powerpoint/2010/main" xmlns:p15="http://schemas.microsoft.com/office/powerpoint/2012/main" xmlns:ahyp="http://schemas.microsoft.com/office/drawing/2018/hyperlinkcolor" showMasterPhAnim="0" showMasterSp="0">
+<p:notes xmlns:a="http://schemas.openxmlformats.org/drawingml/2006/main" xmlns:r="http://schemas.openxmlformats.org/officeDocument/2006/relationships" xmlns:p="http://schemas.openxmlformats.org/presentationml/2006/main" showMasterSp="0" showMasterPhAnim="0">
   <p:cSld>
     <p:spTree>
       <p:nvGrpSpPr>
-        <p:cNvPr id="70" name="Shape 70"/>
+        <p:cNvPr id="1" name="Shape 70"/>
         <p:cNvGrpSpPr/>
         <p:nvPr/>
       </p:nvGrpSpPr>
@@ -1016,9 +1046,11 @@
       <p:sp>
         <p:nvSpPr>
           <p:cNvPr id="71" name="Google Shape;71;g13b083a32ba_0_12:notes"/>
-          <p:cNvSpPr/>
+          <p:cNvSpPr>
+            <a:spLocks noGrp="1" noRot="1" noChangeAspect="1"/>
+          </p:cNvSpPr>
           <p:nvPr>
-            <p:ph idx="2" type="sldImg"/>
+            <p:ph type="sldImg" idx="2"/>
           </p:nvPr>
         </p:nvSpPr>
         <p:spPr>
@@ -1027,9 +1059,13 @@
             <a:ext cx="6096000" cy="3429000"/>
           </a:xfrm>
           <a:custGeom>
-            <a:rect b="b" l="l" r="r" t="t"/>
+            <a:avLst/>
+            <a:gdLst/>
+            <a:ahLst/>
+            <a:cxnLst/>
+            <a:rect l="l" t="t" r="r" b="b"/>
             <a:pathLst>
-              <a:path extrusionOk="0" h="120000" w="120000">
+              <a:path w="120000" h="120000" extrusionOk="0">
                 <a:moveTo>
                   <a:pt x="0" y="0"/>
                 </a:moveTo>
@@ -1051,9 +1087,11 @@
       <p:sp>
         <p:nvSpPr>
           <p:cNvPr id="72" name="Google Shape;72;g13b083a32ba_0_12:notes"/>
-          <p:cNvSpPr txBox="1"/>
+          <p:cNvSpPr txBox="1">
+            <a:spLocks noGrp="1"/>
+          </p:cNvSpPr>
           <p:nvPr>
-            <p:ph idx="1" type="body"/>
+            <p:ph type="body" idx="1"/>
           </p:nvPr>
         </p:nvSpPr>
         <p:spPr>
@@ -1066,12 +1104,12 @@
           </a:prstGeom>
         </p:spPr>
         <p:txBody>
-          <a:bodyPr anchorCtr="0" anchor="t" bIns="91425" lIns="91425" spcFirstLastPara="1" rIns="91425" wrap="square" tIns="91425">
+          <a:bodyPr spcFirstLastPara="1" wrap="square" lIns="91425" tIns="91425" rIns="91425" bIns="91425" anchor="t" anchorCtr="0">
             <a:noAutofit/>
           </a:bodyPr>
           <a:lstStyle/>
           <a:p>
-            <a:pPr indent="0" lvl="0" marL="0" rtl="0" algn="l">
+            <a:pPr marL="0" lvl="0" indent="0" algn="l" rtl="0">
               <a:spcBef>
                 <a:spcPts val="0"/>
               </a:spcBef>
@@ -1080,9 +1118,6 @@
               </a:spcAft>
               <a:buNone/>
             </a:pPr>
-            <a:r>
-              <a:t/>
-            </a:r>
             <a:endParaRPr/>
           </a:p>
         </p:txBody>
@@ -1096,11 +1131,11 @@
 </file>
 
 <file path=ppt/notesSlides/notesSlide5.xml><?xml version="1.0" encoding="utf-8"?>
-<p:notes xmlns:a="http://schemas.openxmlformats.org/drawingml/2006/main" xmlns:r="http://schemas.openxmlformats.org/officeDocument/2006/relationships" xmlns:mc="http://schemas.openxmlformats.org/markup-compatibility/2006" xmlns:mv="urn:schemas-microsoft-com:mac:vml" xmlns:p="http://schemas.openxmlformats.org/presentationml/2006/main" xmlns:c="http://schemas.openxmlformats.org/drawingml/2006/chart" xmlns:dgm="http://schemas.openxmlformats.org/drawingml/2006/diagram" xmlns:o="urn:schemas-microsoft-com:office:office" xmlns:v="urn:schemas-microsoft-com:vml" xmlns:pvml="urn:schemas-microsoft-com:office:powerpoint" xmlns:com="http://schemas.openxmlformats.org/drawingml/2006/compatibility" xmlns:p14="http://schemas.microsoft.com/office/powerpoint/2010/main" xmlns:p15="http://schemas.microsoft.com/office/powerpoint/2012/main" xmlns:ahyp="http://schemas.microsoft.com/office/drawing/2018/hyperlinkcolor" showMasterPhAnim="0" showMasterSp="0">
+<p:notes xmlns:a="http://schemas.openxmlformats.org/drawingml/2006/main" xmlns:r="http://schemas.openxmlformats.org/officeDocument/2006/relationships" xmlns:p="http://schemas.openxmlformats.org/presentationml/2006/main" showMasterSp="0" showMasterPhAnim="0">
   <p:cSld>
     <p:spTree>
       <p:nvGrpSpPr>
-        <p:cNvPr id="76" name="Shape 76"/>
+        <p:cNvPr id="1" name="Shape 76"/>
         <p:cNvGrpSpPr/>
         <p:nvPr/>
       </p:nvGrpSpPr>
@@ -1115,9 +1150,11 @@
       <p:sp>
         <p:nvSpPr>
           <p:cNvPr id="77" name="Google Shape;77;g13b083a32ba_0_19:notes"/>
-          <p:cNvSpPr/>
+          <p:cNvSpPr>
+            <a:spLocks noGrp="1" noRot="1" noChangeAspect="1"/>
+          </p:cNvSpPr>
           <p:nvPr>
-            <p:ph idx="2" type="sldImg"/>
+            <p:ph type="sldImg" idx="2"/>
           </p:nvPr>
         </p:nvSpPr>
         <p:spPr>
@@ -1126,9 +1163,13 @@
             <a:ext cx="6096000" cy="3429000"/>
           </a:xfrm>
           <a:custGeom>
-            <a:rect b="b" l="l" r="r" t="t"/>
+            <a:avLst/>
+            <a:gdLst/>
+            <a:ahLst/>
+            <a:cxnLst/>
+            <a:rect l="l" t="t" r="r" b="b"/>
             <a:pathLst>
-              <a:path extrusionOk="0" h="120000" w="120000">
+              <a:path w="120000" h="120000" extrusionOk="0">
                 <a:moveTo>
                   <a:pt x="0" y="0"/>
                 </a:moveTo>
@@ -1150,9 +1191,11 @@
       <p:sp>
         <p:nvSpPr>
           <p:cNvPr id="78" name="Google Shape;78;g13b083a32ba_0_19:notes"/>
-          <p:cNvSpPr txBox="1"/>
+          <p:cNvSpPr txBox="1">
+            <a:spLocks noGrp="1"/>
+          </p:cNvSpPr>
           <p:nvPr>
-            <p:ph idx="1" type="body"/>
+            <p:ph type="body" idx="1"/>
           </p:nvPr>
         </p:nvSpPr>
         <p:spPr>
@@ -1165,12 +1208,12 @@
           </a:prstGeom>
         </p:spPr>
         <p:txBody>
-          <a:bodyPr anchorCtr="0" anchor="t" bIns="91425" lIns="91425" spcFirstLastPara="1" rIns="91425" wrap="square" tIns="91425">
+          <a:bodyPr spcFirstLastPara="1" wrap="square" lIns="91425" tIns="91425" rIns="91425" bIns="91425" anchor="t" anchorCtr="0">
             <a:noAutofit/>
           </a:bodyPr>
           <a:lstStyle/>
           <a:p>
-            <a:pPr indent="0" lvl="0" marL="0" rtl="0" algn="l">
+            <a:pPr marL="0" lvl="0" indent="0" algn="l" rtl="0">
               <a:spcBef>
                 <a:spcPts val="0"/>
               </a:spcBef>
@@ -1179,9 +1222,6 @@
               </a:spcAft>
               <a:buNone/>
             </a:pPr>
-            <a:r>
-              <a:t/>
-            </a:r>
             <a:endParaRPr/>
           </a:p>
         </p:txBody>
@@ -1195,11 +1235,11 @@
 </file>
 
 <file path=ppt/notesSlides/notesSlide6.xml><?xml version="1.0" encoding="utf-8"?>
-<p:notes xmlns:a="http://schemas.openxmlformats.org/drawingml/2006/main" xmlns:r="http://schemas.openxmlformats.org/officeDocument/2006/relationships" xmlns:mc="http://schemas.openxmlformats.org/markup-compatibility/2006" xmlns:mv="urn:schemas-microsoft-com:mac:vml" xmlns:p="http://schemas.openxmlformats.org/presentationml/2006/main" xmlns:c="http://schemas.openxmlformats.org/drawingml/2006/chart" xmlns:dgm="http://schemas.openxmlformats.org/drawingml/2006/diagram" xmlns:o="urn:schemas-microsoft-com:office:office" xmlns:v="urn:schemas-microsoft-com:vml" xmlns:pvml="urn:schemas-microsoft-com:office:powerpoint" xmlns:com="http://schemas.openxmlformats.org/drawingml/2006/compatibility" xmlns:p14="http://schemas.microsoft.com/office/powerpoint/2010/main" xmlns:p15="http://schemas.microsoft.com/office/powerpoint/2012/main" xmlns:ahyp="http://schemas.microsoft.com/office/drawing/2018/hyperlinkcolor" showMasterPhAnim="0" showMasterSp="0">
+<p:notes xmlns:a="http://schemas.openxmlformats.org/drawingml/2006/main" xmlns:r="http://schemas.openxmlformats.org/officeDocument/2006/relationships" xmlns:p="http://schemas.openxmlformats.org/presentationml/2006/main" showMasterSp="0" showMasterPhAnim="0">
   <p:cSld>
     <p:spTree>
       <p:nvGrpSpPr>
-        <p:cNvPr id="81" name="Shape 81"/>
+        <p:cNvPr id="1" name="Shape 81"/>
         <p:cNvGrpSpPr/>
         <p:nvPr/>
       </p:nvGrpSpPr>
@@ -1214,9 +1254,11 @@
       <p:sp>
         <p:nvSpPr>
           <p:cNvPr id="82" name="Google Shape;82;g1562e2b9fce_0_0:notes"/>
-          <p:cNvSpPr/>
+          <p:cNvSpPr>
+            <a:spLocks noGrp="1" noRot="1" noChangeAspect="1"/>
+          </p:cNvSpPr>
           <p:nvPr>
-            <p:ph idx="2" type="sldImg"/>
+            <p:ph type="sldImg" idx="2"/>
           </p:nvPr>
         </p:nvSpPr>
         <p:spPr>
@@ -1225,9 +1267,13 @@
             <a:ext cx="6096000" cy="3429000"/>
           </a:xfrm>
           <a:custGeom>
-            <a:rect b="b" l="l" r="r" t="t"/>
+            <a:avLst/>
+            <a:gdLst/>
+            <a:ahLst/>
+            <a:cxnLst/>
+            <a:rect l="l" t="t" r="r" b="b"/>
             <a:pathLst>
-              <a:path extrusionOk="0" h="120000" w="120000">
+              <a:path w="120000" h="120000" extrusionOk="0">
                 <a:moveTo>
                   <a:pt x="0" y="0"/>
                 </a:moveTo>
@@ -1249,9 +1295,11 @@
       <p:sp>
         <p:nvSpPr>
           <p:cNvPr id="83" name="Google Shape;83;g1562e2b9fce_0_0:notes"/>
-          <p:cNvSpPr txBox="1"/>
+          <p:cNvSpPr txBox="1">
+            <a:spLocks noGrp="1"/>
+          </p:cNvSpPr>
           <p:nvPr>
-            <p:ph idx="1" type="body"/>
+            <p:ph type="body" idx="1"/>
           </p:nvPr>
         </p:nvSpPr>
         <p:spPr>
@@ -1264,12 +1312,12 @@
           </a:prstGeom>
         </p:spPr>
         <p:txBody>
-          <a:bodyPr anchorCtr="0" anchor="t" bIns="91425" lIns="91425" spcFirstLastPara="1" rIns="91425" wrap="square" tIns="91425">
+          <a:bodyPr spcFirstLastPara="1" wrap="square" lIns="91425" tIns="91425" rIns="91425" bIns="91425" anchor="t" anchorCtr="0">
             <a:noAutofit/>
           </a:bodyPr>
           <a:lstStyle/>
           <a:p>
-            <a:pPr indent="0" lvl="0" marL="0" rtl="0" algn="l">
+            <a:pPr marL="0" lvl="0" indent="0" algn="l" rtl="0">
               <a:spcBef>
                 <a:spcPts val="0"/>
               </a:spcBef>
@@ -1278,9 +1326,6 @@
               </a:spcAft>
               <a:buNone/>
             </a:pPr>
-            <a:r>
-              <a:t/>
-            </a:r>
             <a:endParaRPr/>
           </a:p>
         </p:txBody>
@@ -1294,11 +1339,11 @@
 </file>
 
 <file path=ppt/notesSlides/notesSlide7.xml><?xml version="1.0" encoding="utf-8"?>
-<p:notes xmlns:a="http://schemas.openxmlformats.org/drawingml/2006/main" xmlns:r="http://schemas.openxmlformats.org/officeDocument/2006/relationships" xmlns:mc="http://schemas.openxmlformats.org/markup-compatibility/2006" xmlns:mv="urn:schemas-microsoft-com:mac:vml" xmlns:p="http://schemas.openxmlformats.org/presentationml/2006/main" xmlns:c="http://schemas.openxmlformats.org/drawingml/2006/chart" xmlns:dgm="http://schemas.openxmlformats.org/drawingml/2006/diagram" xmlns:o="urn:schemas-microsoft-com:office:office" xmlns:v="urn:schemas-microsoft-com:vml" xmlns:pvml="urn:schemas-microsoft-com:office:powerpoint" xmlns:com="http://schemas.openxmlformats.org/drawingml/2006/compatibility" xmlns:p14="http://schemas.microsoft.com/office/powerpoint/2010/main" xmlns:p15="http://schemas.microsoft.com/office/powerpoint/2012/main" xmlns:ahyp="http://schemas.microsoft.com/office/drawing/2018/hyperlinkcolor" showMasterPhAnim="0" showMasterSp="0">
+<p:notes xmlns:a="http://schemas.openxmlformats.org/drawingml/2006/main" xmlns:r="http://schemas.openxmlformats.org/officeDocument/2006/relationships" xmlns:p="http://schemas.openxmlformats.org/presentationml/2006/main" showMasterSp="0" showMasterPhAnim="0">
   <p:cSld>
     <p:spTree>
       <p:nvGrpSpPr>
-        <p:cNvPr id="86" name="Shape 86"/>
+        <p:cNvPr id="1" name="Shape 86"/>
         <p:cNvGrpSpPr/>
         <p:nvPr/>
       </p:nvGrpSpPr>
@@ -1313,9 +1358,11 @@
       <p:sp>
         <p:nvSpPr>
           <p:cNvPr id="87" name="Google Shape;87;g13b083a3379_0_0:notes"/>
-          <p:cNvSpPr/>
+          <p:cNvSpPr>
+            <a:spLocks noGrp="1" noRot="1" noChangeAspect="1"/>
+          </p:cNvSpPr>
           <p:nvPr>
-            <p:ph idx="2" type="sldImg"/>
+            <p:ph type="sldImg" idx="2"/>
           </p:nvPr>
         </p:nvSpPr>
         <p:spPr>
@@ -1324,9 +1371,13 @@
             <a:ext cx="6096000" cy="3429000"/>
           </a:xfrm>
           <a:custGeom>
-            <a:rect b="b" l="l" r="r" t="t"/>
+            <a:avLst/>
+            <a:gdLst/>
+            <a:ahLst/>
+            <a:cxnLst/>
+            <a:rect l="l" t="t" r="r" b="b"/>
             <a:pathLst>
-              <a:path extrusionOk="0" h="120000" w="120000">
+              <a:path w="120000" h="120000" extrusionOk="0">
                 <a:moveTo>
                   <a:pt x="0" y="0"/>
                 </a:moveTo>
@@ -1348,9 +1399,11 @@
       <p:sp>
         <p:nvSpPr>
           <p:cNvPr id="88" name="Google Shape;88;g13b083a3379_0_0:notes"/>
-          <p:cNvSpPr txBox="1"/>
+          <p:cNvSpPr txBox="1">
+            <a:spLocks noGrp="1"/>
+          </p:cNvSpPr>
           <p:nvPr>
-            <p:ph idx="1" type="body"/>
+            <p:ph type="body" idx="1"/>
           </p:nvPr>
         </p:nvSpPr>
         <p:spPr>
@@ -1363,12 +1416,12 @@
           </a:prstGeom>
         </p:spPr>
         <p:txBody>
-          <a:bodyPr anchorCtr="0" anchor="t" bIns="91425" lIns="91425" spcFirstLastPara="1" rIns="91425" wrap="square" tIns="91425">
+          <a:bodyPr spcFirstLastPara="1" wrap="square" lIns="91425" tIns="91425" rIns="91425" bIns="91425" anchor="t" anchorCtr="0">
             <a:noAutofit/>
           </a:bodyPr>
           <a:lstStyle/>
           <a:p>
-            <a:pPr indent="0" lvl="0" marL="0" rtl="0" algn="l">
+            <a:pPr marL="0" lvl="0" indent="0" algn="l" rtl="0">
               <a:spcBef>
                 <a:spcPts val="0"/>
               </a:spcBef>
@@ -1377,9 +1430,6 @@
               </a:spcAft>
               <a:buNone/>
             </a:pPr>
-            <a:r>
-              <a:t/>
-            </a:r>
             <a:endParaRPr/>
           </a:p>
         </p:txBody>
@@ -1393,11 +1443,11 @@
 </file>
 
 <file path=ppt/notesSlides/notesSlide8.xml><?xml version="1.0" encoding="utf-8"?>
-<p:notes xmlns:a="http://schemas.openxmlformats.org/drawingml/2006/main" xmlns:r="http://schemas.openxmlformats.org/officeDocument/2006/relationships" xmlns:mc="http://schemas.openxmlformats.org/markup-compatibility/2006" xmlns:mv="urn:schemas-microsoft-com:mac:vml" xmlns:p="http://schemas.openxmlformats.org/presentationml/2006/main" xmlns:c="http://schemas.openxmlformats.org/drawingml/2006/chart" xmlns:dgm="http://schemas.openxmlformats.org/drawingml/2006/diagram" xmlns:o="urn:schemas-microsoft-com:office:office" xmlns:v="urn:schemas-microsoft-com:vml" xmlns:pvml="urn:schemas-microsoft-com:office:powerpoint" xmlns:com="http://schemas.openxmlformats.org/drawingml/2006/compatibility" xmlns:p14="http://schemas.microsoft.com/office/powerpoint/2010/main" xmlns:p15="http://schemas.microsoft.com/office/powerpoint/2012/main" xmlns:ahyp="http://schemas.microsoft.com/office/drawing/2018/hyperlinkcolor" showMasterPhAnim="0" showMasterSp="0">
+<p:notes xmlns:a="http://schemas.openxmlformats.org/drawingml/2006/main" xmlns:r="http://schemas.openxmlformats.org/officeDocument/2006/relationships" xmlns:p="http://schemas.openxmlformats.org/presentationml/2006/main" showMasterSp="0" showMasterPhAnim="0">
   <p:cSld>
     <p:spTree>
       <p:nvGrpSpPr>
-        <p:cNvPr id="91" name="Shape 91"/>
+        <p:cNvPr id="1" name="Shape 91"/>
         <p:cNvGrpSpPr/>
         <p:nvPr/>
       </p:nvGrpSpPr>
@@ -1412,9 +1462,11 @@
       <p:sp>
         <p:nvSpPr>
           <p:cNvPr id="92" name="Google Shape;92;g13b083a32ba_0_27:notes"/>
-          <p:cNvSpPr/>
+          <p:cNvSpPr>
+            <a:spLocks noGrp="1" noRot="1" noChangeAspect="1"/>
+          </p:cNvSpPr>
           <p:nvPr>
-            <p:ph idx="2" type="sldImg"/>
+            <p:ph type="sldImg" idx="2"/>
           </p:nvPr>
         </p:nvSpPr>
         <p:spPr>
@@ -1423,9 +1475,13 @@
             <a:ext cx="6096000" cy="3429000"/>
           </a:xfrm>
           <a:custGeom>
-            <a:rect b="b" l="l" r="r" t="t"/>
+            <a:avLst/>
+            <a:gdLst/>
+            <a:ahLst/>
+            <a:cxnLst/>
+            <a:rect l="l" t="t" r="r" b="b"/>
             <a:pathLst>
-              <a:path extrusionOk="0" h="120000" w="120000">
+              <a:path w="120000" h="120000" extrusionOk="0">
                 <a:moveTo>
                   <a:pt x="0" y="0"/>
                 </a:moveTo>
@@ -1447,9 +1503,11 @@
       <p:sp>
         <p:nvSpPr>
           <p:cNvPr id="93" name="Google Shape;93;g13b083a32ba_0_27:notes"/>
-          <p:cNvSpPr txBox="1"/>
+          <p:cNvSpPr txBox="1">
+            <a:spLocks noGrp="1"/>
+          </p:cNvSpPr>
           <p:nvPr>
-            <p:ph idx="1" type="body"/>
+            <p:ph type="body" idx="1"/>
           </p:nvPr>
         </p:nvSpPr>
         <p:spPr>
@@ -1462,12 +1520,12 @@
           </a:prstGeom>
         </p:spPr>
         <p:txBody>
-          <a:bodyPr anchorCtr="0" anchor="t" bIns="91425" lIns="91425" spcFirstLastPara="1" rIns="91425" wrap="square" tIns="91425">
+          <a:bodyPr spcFirstLastPara="1" wrap="square" lIns="91425" tIns="91425" rIns="91425" bIns="91425" anchor="t" anchorCtr="0">
             <a:noAutofit/>
           </a:bodyPr>
           <a:lstStyle/>
           <a:p>
-            <a:pPr indent="0" lvl="0" marL="0" rtl="0" algn="l">
+            <a:pPr marL="0" lvl="0" indent="0" algn="l" rtl="0">
               <a:spcBef>
                 <a:spcPts val="0"/>
               </a:spcBef>
@@ -1476,9 +1534,6 @@
               </a:spcAft>
               <a:buNone/>
             </a:pPr>
-            <a:r>
-              <a:t/>
-            </a:r>
             <a:endParaRPr/>
           </a:p>
         </p:txBody>
@@ -1492,11 +1547,11 @@
 </file>
 
 <file path=ppt/slideLayouts/slideLayout1.xml><?xml version="1.0" encoding="utf-8"?>
-<p:sldLayout xmlns:a="http://schemas.openxmlformats.org/drawingml/2006/main" xmlns:r="http://schemas.openxmlformats.org/officeDocument/2006/relationships" xmlns:mc="http://schemas.openxmlformats.org/markup-compatibility/2006" xmlns:mv="urn:schemas-microsoft-com:mac:vml" xmlns:p="http://schemas.openxmlformats.org/presentationml/2006/main" xmlns:c="http://schemas.openxmlformats.org/drawingml/2006/chart" xmlns:dgm="http://schemas.openxmlformats.org/drawingml/2006/diagram" xmlns:o="urn:schemas-microsoft-com:office:office" xmlns:v="urn:schemas-microsoft-com:vml" xmlns:pvml="urn:schemas-microsoft-com:office:powerpoint" xmlns:com="http://schemas.openxmlformats.org/drawingml/2006/compatibility" xmlns:p14="http://schemas.microsoft.com/office/powerpoint/2010/main" xmlns:p15="http://schemas.microsoft.com/office/powerpoint/2012/main" xmlns:ahyp="http://schemas.microsoft.com/office/drawing/2018/hyperlinkcolor" matchingName="Title slide" type="title">
+<p:sldLayout xmlns:a="http://schemas.openxmlformats.org/drawingml/2006/main" xmlns:r="http://schemas.openxmlformats.org/officeDocument/2006/relationships" xmlns:p="http://schemas.openxmlformats.org/presentationml/2006/main" matchingName="Title slide" type="title">
   <p:cSld name="TITLE">
     <p:spTree>
       <p:nvGrpSpPr>
-        <p:cNvPr id="9" name="Shape 9"/>
+        <p:cNvPr id="1" name="Shape 9"/>
         <p:cNvGrpSpPr/>
         <p:nvPr/>
       </p:nvGrpSpPr>
@@ -1511,7 +1566,9 @@
       <p:sp>
         <p:nvSpPr>
           <p:cNvPr id="10" name="Google Shape;10;p2"/>
-          <p:cNvSpPr txBox="1"/>
+          <p:cNvSpPr txBox="1">
+            <a:spLocks noGrp="1"/>
+          </p:cNvSpPr>
           <p:nvPr>
             <p:ph type="ctrTitle"/>
           </p:nvPr>
@@ -1526,7 +1583,7 @@
           </a:prstGeom>
         </p:spPr>
         <p:txBody>
-          <a:bodyPr anchorCtr="0" anchor="b" bIns="91425" lIns="91425" spcFirstLastPara="1" rIns="91425" wrap="square" tIns="91425">
+          <a:bodyPr spcFirstLastPara="1" wrap="square" lIns="91425" tIns="91425" rIns="91425" bIns="91425" anchor="b" anchorCtr="0">
             <a:normAutofit/>
           </a:bodyPr>
           <a:lstStyle>
@@ -1630,15 +1687,19 @@
               <a:defRPr sz="5200"/>
             </a:lvl9pPr>
           </a:lstStyle>
-          <a:p/>
+          <a:p>
+            <a:endParaRPr/>
+          </a:p>
         </p:txBody>
       </p:sp>
       <p:sp>
         <p:nvSpPr>
           <p:cNvPr id="11" name="Google Shape;11;p2"/>
-          <p:cNvSpPr txBox="1"/>
+          <p:cNvSpPr txBox="1">
+            <a:spLocks noGrp="1"/>
+          </p:cNvSpPr>
           <p:nvPr>
-            <p:ph idx="1" type="subTitle"/>
+            <p:ph type="subTitle" idx="1"/>
           </p:nvPr>
         </p:nvSpPr>
         <p:spPr>
@@ -1651,7 +1712,7 @@
           </a:prstGeom>
         </p:spPr>
         <p:txBody>
-          <a:bodyPr anchorCtr="0" anchor="t" bIns="91425" lIns="91425" spcFirstLastPara="1" rIns="91425" wrap="square" tIns="91425">
+          <a:bodyPr spcFirstLastPara="1" wrap="square" lIns="91425" tIns="91425" rIns="91425" bIns="91425" anchor="t" anchorCtr="0">
             <a:normAutofit/>
           </a:bodyPr>
           <a:lstStyle>
@@ -1782,15 +1843,19 @@
               <a:defRPr sz="2800"/>
             </a:lvl9pPr>
           </a:lstStyle>
-          <a:p/>
+          <a:p>
+            <a:endParaRPr/>
+          </a:p>
         </p:txBody>
       </p:sp>
       <p:sp>
         <p:nvSpPr>
           <p:cNvPr id="12" name="Google Shape;12;p2"/>
-          <p:cNvSpPr txBox="1"/>
+          <p:cNvSpPr txBox="1">
+            <a:spLocks noGrp="1"/>
+          </p:cNvSpPr>
           <p:nvPr>
-            <p:ph idx="12" type="sldNum"/>
+            <p:ph type="sldNum" idx="12"/>
           </p:nvPr>
         </p:nvSpPr>
         <p:spPr>
@@ -1803,7 +1868,7 @@
           </a:prstGeom>
         </p:spPr>
         <p:txBody>
-          <a:bodyPr anchorCtr="0" anchor="ctr" bIns="91425" lIns="91425" spcFirstLastPara="1" rIns="91425" wrap="square" tIns="91425">
+          <a:bodyPr spcFirstLastPara="1" wrap="square" lIns="91425" tIns="91425" rIns="91425" bIns="91425" anchor="ctr" anchorCtr="0">
             <a:normAutofit/>
           </a:bodyPr>
           <a:lstStyle>
@@ -1845,7 +1910,7 @@
             </a:lvl9pPr>
           </a:lstStyle>
           <a:p>
-            <a:pPr indent="0" lvl="0" marL="0" rtl="0" algn="r">
+            <a:pPr marL="0" lvl="0" indent="0" algn="r" rtl="0">
               <a:spcBef>
                 <a:spcPts val="0"/>
               </a:spcBef>
@@ -1871,11 +1936,11 @@
 </file>
 
 <file path=ppt/slideLayouts/slideLayout10.xml><?xml version="1.0" encoding="utf-8"?>
-<p:sldLayout xmlns:a="http://schemas.openxmlformats.org/drawingml/2006/main" xmlns:r="http://schemas.openxmlformats.org/officeDocument/2006/relationships" xmlns:mc="http://schemas.openxmlformats.org/markup-compatibility/2006" xmlns:mv="urn:schemas-microsoft-com:mac:vml" xmlns:p="http://schemas.openxmlformats.org/presentationml/2006/main" xmlns:c="http://schemas.openxmlformats.org/drawingml/2006/chart" xmlns:dgm="http://schemas.openxmlformats.org/drawingml/2006/diagram" xmlns:o="urn:schemas-microsoft-com:office:office" xmlns:v="urn:schemas-microsoft-com:vml" xmlns:pvml="urn:schemas-microsoft-com:office:powerpoint" xmlns:com="http://schemas.openxmlformats.org/drawingml/2006/compatibility" xmlns:p14="http://schemas.microsoft.com/office/powerpoint/2010/main" xmlns:p15="http://schemas.microsoft.com/office/powerpoint/2012/main" xmlns:ahyp="http://schemas.microsoft.com/office/drawing/2018/hyperlinkcolor" matchingName="Big number">
+<p:sldLayout xmlns:a="http://schemas.openxmlformats.org/drawingml/2006/main" xmlns:r="http://schemas.openxmlformats.org/officeDocument/2006/relationships" xmlns:p="http://schemas.openxmlformats.org/presentationml/2006/main" matchingName="Big number">
   <p:cSld name="BIG_NUMBER">
     <p:spTree>
       <p:nvGrpSpPr>
-        <p:cNvPr id="44" name="Shape 44"/>
+        <p:cNvPr id="1" name="Shape 44"/>
         <p:cNvGrpSpPr/>
         <p:nvPr/>
       </p:nvGrpSpPr>
@@ -1890,9 +1955,11 @@
       <p:sp>
         <p:nvSpPr>
           <p:cNvPr id="45" name="Google Shape;45;p11"/>
-          <p:cNvSpPr txBox="1"/>
+          <p:cNvSpPr txBox="1">
+            <a:spLocks noGrp="1"/>
+          </p:cNvSpPr>
           <p:nvPr>
-            <p:ph hasCustomPrompt="1" type="title"/>
+            <p:ph type="title" hasCustomPrompt="1"/>
           </p:nvPr>
         </p:nvSpPr>
         <p:spPr>
@@ -1905,7 +1972,7 @@
           </a:prstGeom>
         </p:spPr>
         <p:txBody>
-          <a:bodyPr anchorCtr="0" anchor="b" bIns="91425" lIns="91425" spcFirstLastPara="1" rIns="91425" wrap="square" tIns="91425">
+          <a:bodyPr spcFirstLastPara="1" wrap="square" lIns="91425" tIns="91425" rIns="91425" bIns="91425" anchor="b" anchorCtr="0">
             <a:normAutofit/>
           </a:bodyPr>
           <a:lstStyle>
@@ -2019,9 +2086,11 @@
       <p:sp>
         <p:nvSpPr>
           <p:cNvPr id="46" name="Google Shape;46;p11"/>
-          <p:cNvSpPr txBox="1"/>
+          <p:cNvSpPr txBox="1">
+            <a:spLocks noGrp="1"/>
+          </p:cNvSpPr>
           <p:nvPr>
-            <p:ph idx="1" type="body"/>
+            <p:ph type="body" idx="1"/>
           </p:nvPr>
         </p:nvSpPr>
         <p:spPr>
@@ -2034,11 +2103,11 @@
           </a:prstGeom>
         </p:spPr>
         <p:txBody>
-          <a:bodyPr anchorCtr="0" anchor="t" bIns="91425" lIns="91425" spcFirstLastPara="1" rIns="91425" wrap="square" tIns="91425">
+          <a:bodyPr spcFirstLastPara="1" wrap="square" lIns="91425" tIns="91425" rIns="91425" bIns="91425" anchor="t" anchorCtr="0">
             <a:normAutofit/>
           </a:bodyPr>
           <a:lstStyle>
-            <a:lvl1pPr indent="-342900" lvl="0" marL="457200" algn="ctr">
+            <a:lvl1pPr marL="457200" lvl="0" indent="-342900" algn="ctr">
               <a:spcBef>
                 <a:spcPts val="0"/>
               </a:spcBef>
@@ -2049,7 +2118,7 @@
               <a:buChar char="●"/>
               <a:defRPr/>
             </a:lvl1pPr>
-            <a:lvl2pPr indent="-317500" lvl="1" marL="914400" algn="ctr">
+            <a:lvl2pPr marL="914400" lvl="1" indent="-317500" algn="ctr">
               <a:spcBef>
                 <a:spcPts val="0"/>
               </a:spcBef>
@@ -2060,7 +2129,7 @@
               <a:buChar char="○"/>
               <a:defRPr/>
             </a:lvl2pPr>
-            <a:lvl3pPr indent="-317500" lvl="2" marL="1371600" algn="ctr">
+            <a:lvl3pPr marL="1371600" lvl="2" indent="-317500" algn="ctr">
               <a:spcBef>
                 <a:spcPts val="0"/>
               </a:spcBef>
@@ -2071,7 +2140,7 @@
               <a:buChar char="■"/>
               <a:defRPr/>
             </a:lvl3pPr>
-            <a:lvl4pPr indent="-317500" lvl="3" marL="1828800" algn="ctr">
+            <a:lvl4pPr marL="1828800" lvl="3" indent="-317500" algn="ctr">
               <a:spcBef>
                 <a:spcPts val="0"/>
               </a:spcBef>
@@ -2082,7 +2151,7 @@
               <a:buChar char="●"/>
               <a:defRPr/>
             </a:lvl4pPr>
-            <a:lvl5pPr indent="-317500" lvl="4" marL="2286000" algn="ctr">
+            <a:lvl5pPr marL="2286000" lvl="4" indent="-317500" algn="ctr">
               <a:spcBef>
                 <a:spcPts val="0"/>
               </a:spcBef>
@@ -2093,7 +2162,7 @@
               <a:buChar char="○"/>
               <a:defRPr/>
             </a:lvl5pPr>
-            <a:lvl6pPr indent="-317500" lvl="5" marL="2743200" algn="ctr">
+            <a:lvl6pPr marL="2743200" lvl="5" indent="-317500" algn="ctr">
               <a:spcBef>
                 <a:spcPts val="0"/>
               </a:spcBef>
@@ -2104,7 +2173,7 @@
               <a:buChar char="■"/>
               <a:defRPr/>
             </a:lvl6pPr>
-            <a:lvl7pPr indent="-317500" lvl="6" marL="3200400" algn="ctr">
+            <a:lvl7pPr marL="3200400" lvl="6" indent="-317500" algn="ctr">
               <a:spcBef>
                 <a:spcPts val="0"/>
               </a:spcBef>
@@ -2115,7 +2184,7 @@
               <a:buChar char="●"/>
               <a:defRPr/>
             </a:lvl7pPr>
-            <a:lvl8pPr indent="-317500" lvl="7" marL="3657600" algn="ctr">
+            <a:lvl8pPr marL="3657600" lvl="7" indent="-317500" algn="ctr">
               <a:spcBef>
                 <a:spcPts val="0"/>
               </a:spcBef>
@@ -2126,7 +2195,7 @@
               <a:buChar char="○"/>
               <a:defRPr/>
             </a:lvl8pPr>
-            <a:lvl9pPr indent="-317500" lvl="8" marL="4114800" algn="ctr">
+            <a:lvl9pPr marL="4114800" lvl="8" indent="-317500" algn="ctr">
               <a:spcBef>
                 <a:spcPts val="0"/>
               </a:spcBef>
@@ -2138,15 +2207,19 @@
               <a:defRPr/>
             </a:lvl9pPr>
           </a:lstStyle>
-          <a:p/>
+          <a:p>
+            <a:endParaRPr/>
+          </a:p>
         </p:txBody>
       </p:sp>
       <p:sp>
         <p:nvSpPr>
           <p:cNvPr id="47" name="Google Shape;47;p11"/>
-          <p:cNvSpPr txBox="1"/>
+          <p:cNvSpPr txBox="1">
+            <a:spLocks noGrp="1"/>
+          </p:cNvSpPr>
           <p:nvPr>
-            <p:ph idx="12" type="sldNum"/>
+            <p:ph type="sldNum" idx="12"/>
           </p:nvPr>
         </p:nvSpPr>
         <p:spPr>
@@ -2159,7 +2232,7 @@
           </a:prstGeom>
         </p:spPr>
         <p:txBody>
-          <a:bodyPr anchorCtr="0" anchor="ctr" bIns="91425" lIns="91425" spcFirstLastPara="1" rIns="91425" wrap="square" tIns="91425">
+          <a:bodyPr spcFirstLastPara="1" wrap="square" lIns="91425" tIns="91425" rIns="91425" bIns="91425" anchor="ctr" anchorCtr="0">
             <a:normAutofit/>
           </a:bodyPr>
           <a:lstStyle>
@@ -2201,7 +2274,7 @@
             </a:lvl9pPr>
           </a:lstStyle>
           <a:p>
-            <a:pPr indent="0" lvl="0" marL="0" rtl="0" algn="r">
+            <a:pPr marL="0" lvl="0" indent="0" algn="r" rtl="0">
               <a:spcBef>
                 <a:spcPts val="0"/>
               </a:spcBef>
@@ -2227,11 +2300,11 @@
 </file>
 
 <file path=ppt/slideLayouts/slideLayout11.xml><?xml version="1.0" encoding="utf-8"?>
-<p:sldLayout xmlns:a="http://schemas.openxmlformats.org/drawingml/2006/main" xmlns:r="http://schemas.openxmlformats.org/officeDocument/2006/relationships" xmlns:mc="http://schemas.openxmlformats.org/markup-compatibility/2006" xmlns:mv="urn:schemas-microsoft-com:mac:vml" xmlns:p="http://schemas.openxmlformats.org/presentationml/2006/main" xmlns:c="http://schemas.openxmlformats.org/drawingml/2006/chart" xmlns:dgm="http://schemas.openxmlformats.org/drawingml/2006/diagram" xmlns:o="urn:schemas-microsoft-com:office:office" xmlns:v="urn:schemas-microsoft-com:vml" xmlns:pvml="urn:schemas-microsoft-com:office:powerpoint" xmlns:com="http://schemas.openxmlformats.org/drawingml/2006/compatibility" xmlns:p14="http://schemas.microsoft.com/office/powerpoint/2010/main" xmlns:p15="http://schemas.microsoft.com/office/powerpoint/2012/main" xmlns:ahyp="http://schemas.microsoft.com/office/drawing/2018/hyperlinkcolor" matchingName="Blank" type="blank">
+<p:sldLayout xmlns:a="http://schemas.openxmlformats.org/drawingml/2006/main" xmlns:r="http://schemas.openxmlformats.org/officeDocument/2006/relationships" xmlns:p="http://schemas.openxmlformats.org/presentationml/2006/main" matchingName="Blank" type="blank">
   <p:cSld name="BLANK">
     <p:spTree>
       <p:nvGrpSpPr>
-        <p:cNvPr id="48" name="Shape 48"/>
+        <p:cNvPr id="1" name="Shape 48"/>
         <p:cNvGrpSpPr/>
         <p:nvPr/>
       </p:nvGrpSpPr>
@@ -2246,9 +2319,11 @@
       <p:sp>
         <p:nvSpPr>
           <p:cNvPr id="49" name="Google Shape;49;p12"/>
-          <p:cNvSpPr txBox="1"/>
+          <p:cNvSpPr txBox="1">
+            <a:spLocks noGrp="1"/>
+          </p:cNvSpPr>
           <p:nvPr>
-            <p:ph idx="12" type="sldNum"/>
+            <p:ph type="sldNum" idx="12"/>
           </p:nvPr>
         </p:nvSpPr>
         <p:spPr>
@@ -2261,7 +2336,7 @@
           </a:prstGeom>
         </p:spPr>
         <p:txBody>
-          <a:bodyPr anchorCtr="0" anchor="ctr" bIns="91425" lIns="91425" spcFirstLastPara="1" rIns="91425" wrap="square" tIns="91425">
+          <a:bodyPr spcFirstLastPara="1" wrap="square" lIns="91425" tIns="91425" rIns="91425" bIns="91425" anchor="ctr" anchorCtr="0">
             <a:normAutofit/>
           </a:bodyPr>
           <a:lstStyle>
@@ -2303,7 +2378,7 @@
             </a:lvl9pPr>
           </a:lstStyle>
           <a:p>
-            <a:pPr indent="0" lvl="0" marL="0" rtl="0" algn="r">
+            <a:pPr marL="0" lvl="0" indent="0" algn="r" rtl="0">
               <a:spcBef>
                 <a:spcPts val="0"/>
               </a:spcBef>
@@ -2329,11 +2404,11 @@
 </file>
 
 <file path=ppt/slideLayouts/slideLayout2.xml><?xml version="1.0" encoding="utf-8"?>
-<p:sldLayout xmlns:a="http://schemas.openxmlformats.org/drawingml/2006/main" xmlns:r="http://schemas.openxmlformats.org/officeDocument/2006/relationships" xmlns:mc="http://schemas.openxmlformats.org/markup-compatibility/2006" xmlns:mv="urn:schemas-microsoft-com:mac:vml" xmlns:p="http://schemas.openxmlformats.org/presentationml/2006/main" xmlns:c="http://schemas.openxmlformats.org/drawingml/2006/chart" xmlns:dgm="http://schemas.openxmlformats.org/drawingml/2006/diagram" xmlns:o="urn:schemas-microsoft-com:office:office" xmlns:v="urn:schemas-microsoft-com:vml" xmlns:pvml="urn:schemas-microsoft-com:office:powerpoint" xmlns:com="http://schemas.openxmlformats.org/drawingml/2006/compatibility" xmlns:p14="http://schemas.microsoft.com/office/powerpoint/2010/main" xmlns:p15="http://schemas.microsoft.com/office/powerpoint/2012/main" xmlns:ahyp="http://schemas.microsoft.com/office/drawing/2018/hyperlinkcolor" matchingName="Section header" type="secHead">
+<p:sldLayout xmlns:a="http://schemas.openxmlformats.org/drawingml/2006/main" xmlns:r="http://schemas.openxmlformats.org/officeDocument/2006/relationships" xmlns:p="http://schemas.openxmlformats.org/presentationml/2006/main" matchingName="Section header" type="secHead">
   <p:cSld name="SECTION_HEADER">
     <p:spTree>
       <p:nvGrpSpPr>
-        <p:cNvPr id="13" name="Shape 13"/>
+        <p:cNvPr id="1" name="Shape 13"/>
         <p:cNvGrpSpPr/>
         <p:nvPr/>
       </p:nvGrpSpPr>
@@ -2348,7 +2423,9 @@
       <p:sp>
         <p:nvSpPr>
           <p:cNvPr id="14" name="Google Shape;14;p3"/>
-          <p:cNvSpPr txBox="1"/>
+          <p:cNvSpPr txBox="1">
+            <a:spLocks noGrp="1"/>
+          </p:cNvSpPr>
           <p:nvPr>
             <p:ph type="title"/>
           </p:nvPr>
@@ -2363,7 +2440,7 @@
           </a:prstGeom>
         </p:spPr>
         <p:txBody>
-          <a:bodyPr anchorCtr="0" anchor="ctr" bIns="91425" lIns="91425" spcFirstLastPara="1" rIns="91425" wrap="square" tIns="91425">
+          <a:bodyPr spcFirstLastPara="1" wrap="square" lIns="91425" tIns="91425" rIns="91425" bIns="91425" anchor="ctr" anchorCtr="0">
             <a:normAutofit/>
           </a:bodyPr>
           <a:lstStyle>
@@ -2467,15 +2544,19 @@
               <a:defRPr sz="3600"/>
             </a:lvl9pPr>
           </a:lstStyle>
-          <a:p/>
+          <a:p>
+            <a:endParaRPr/>
+          </a:p>
         </p:txBody>
       </p:sp>
       <p:sp>
         <p:nvSpPr>
           <p:cNvPr id="15" name="Google Shape;15;p3"/>
-          <p:cNvSpPr txBox="1"/>
+          <p:cNvSpPr txBox="1">
+            <a:spLocks noGrp="1"/>
+          </p:cNvSpPr>
           <p:nvPr>
-            <p:ph idx="12" type="sldNum"/>
+            <p:ph type="sldNum" idx="12"/>
           </p:nvPr>
         </p:nvSpPr>
         <p:spPr>
@@ -2488,7 +2569,7 @@
           </a:prstGeom>
         </p:spPr>
         <p:txBody>
-          <a:bodyPr anchorCtr="0" anchor="ctr" bIns="91425" lIns="91425" spcFirstLastPara="1" rIns="91425" wrap="square" tIns="91425">
+          <a:bodyPr spcFirstLastPara="1" wrap="square" lIns="91425" tIns="91425" rIns="91425" bIns="91425" anchor="ctr" anchorCtr="0">
             <a:normAutofit/>
           </a:bodyPr>
           <a:lstStyle>
@@ -2530,7 +2611,7 @@
             </a:lvl9pPr>
           </a:lstStyle>
           <a:p>
-            <a:pPr indent="0" lvl="0" marL="0" rtl="0" algn="r">
+            <a:pPr marL="0" lvl="0" indent="0" algn="r" rtl="0">
               <a:spcBef>
                 <a:spcPts val="0"/>
               </a:spcBef>
@@ -2556,11 +2637,11 @@
 </file>
 
 <file path=ppt/slideLayouts/slideLayout3.xml><?xml version="1.0" encoding="utf-8"?>
-<p:sldLayout xmlns:a="http://schemas.openxmlformats.org/drawingml/2006/main" xmlns:r="http://schemas.openxmlformats.org/officeDocument/2006/relationships" xmlns:mc="http://schemas.openxmlformats.org/markup-compatibility/2006" xmlns:mv="urn:schemas-microsoft-com:mac:vml" xmlns:p="http://schemas.openxmlformats.org/presentationml/2006/main" xmlns:c="http://schemas.openxmlformats.org/drawingml/2006/chart" xmlns:dgm="http://schemas.openxmlformats.org/drawingml/2006/diagram" xmlns:o="urn:schemas-microsoft-com:office:office" xmlns:v="urn:schemas-microsoft-com:vml" xmlns:pvml="urn:schemas-microsoft-com:office:powerpoint" xmlns:com="http://schemas.openxmlformats.org/drawingml/2006/compatibility" xmlns:p14="http://schemas.microsoft.com/office/powerpoint/2010/main" xmlns:p15="http://schemas.microsoft.com/office/powerpoint/2012/main" xmlns:ahyp="http://schemas.microsoft.com/office/drawing/2018/hyperlinkcolor" matchingName="Title and body" type="tx">
+<p:sldLayout xmlns:a="http://schemas.openxmlformats.org/drawingml/2006/main" xmlns:r="http://schemas.openxmlformats.org/officeDocument/2006/relationships" xmlns:p="http://schemas.openxmlformats.org/presentationml/2006/main" matchingName="Title and body" type="tx">
   <p:cSld name="TITLE_AND_BODY">
     <p:spTree>
       <p:nvGrpSpPr>
-        <p:cNvPr id="16" name="Shape 16"/>
+        <p:cNvPr id="1" name="Shape 16"/>
         <p:cNvGrpSpPr/>
         <p:nvPr/>
       </p:nvGrpSpPr>
@@ -2575,7 +2656,9 @@
       <p:sp>
         <p:nvSpPr>
           <p:cNvPr id="17" name="Google Shape;17;p4"/>
-          <p:cNvSpPr txBox="1"/>
+          <p:cNvSpPr txBox="1">
+            <a:spLocks noGrp="1"/>
+          </p:cNvSpPr>
           <p:nvPr>
             <p:ph type="title"/>
           </p:nvPr>
@@ -2590,7 +2673,7 @@
           </a:prstGeom>
         </p:spPr>
         <p:txBody>
-          <a:bodyPr anchorCtr="0" anchor="t" bIns="91425" lIns="91425" spcFirstLastPara="1" rIns="91425" wrap="square" tIns="91425">
+          <a:bodyPr spcFirstLastPara="1" wrap="square" lIns="91425" tIns="91425" rIns="91425" bIns="91425" anchor="t" anchorCtr="0">
             <a:normAutofit/>
           </a:bodyPr>
           <a:lstStyle>
@@ -2694,15 +2777,19 @@
               <a:defRPr/>
             </a:lvl9pPr>
           </a:lstStyle>
-          <a:p/>
+          <a:p>
+            <a:endParaRPr/>
+          </a:p>
         </p:txBody>
       </p:sp>
       <p:sp>
         <p:nvSpPr>
           <p:cNvPr id="18" name="Google Shape;18;p4"/>
-          <p:cNvSpPr txBox="1"/>
+          <p:cNvSpPr txBox="1">
+            <a:spLocks noGrp="1"/>
+          </p:cNvSpPr>
           <p:nvPr>
-            <p:ph idx="1" type="body"/>
+            <p:ph type="body" idx="1"/>
           </p:nvPr>
         </p:nvSpPr>
         <p:spPr>
@@ -2715,11 +2802,11 @@
           </a:prstGeom>
         </p:spPr>
         <p:txBody>
-          <a:bodyPr anchorCtr="0" anchor="t" bIns="91425" lIns="91425" spcFirstLastPara="1" rIns="91425" wrap="square" tIns="91425">
+          <a:bodyPr spcFirstLastPara="1" wrap="square" lIns="91425" tIns="91425" rIns="91425" bIns="91425" anchor="t" anchorCtr="0">
             <a:normAutofit/>
           </a:bodyPr>
           <a:lstStyle>
-            <a:lvl1pPr indent="-342900" lvl="0" marL="457200">
+            <a:lvl1pPr marL="457200" lvl="0" indent="-342900">
               <a:spcBef>
                 <a:spcPts val="0"/>
               </a:spcBef>
@@ -2730,7 +2817,7 @@
               <a:buChar char="●"/>
               <a:defRPr/>
             </a:lvl1pPr>
-            <a:lvl2pPr indent="-317500" lvl="1" marL="914400">
+            <a:lvl2pPr marL="914400" lvl="1" indent="-317500">
               <a:spcBef>
                 <a:spcPts val="0"/>
               </a:spcBef>
@@ -2741,7 +2828,7 @@
               <a:buChar char="○"/>
               <a:defRPr/>
             </a:lvl2pPr>
-            <a:lvl3pPr indent="-317500" lvl="2" marL="1371600">
+            <a:lvl3pPr marL="1371600" lvl="2" indent="-317500">
               <a:spcBef>
                 <a:spcPts val="0"/>
               </a:spcBef>
@@ -2752,7 +2839,7 @@
               <a:buChar char="■"/>
               <a:defRPr/>
             </a:lvl3pPr>
-            <a:lvl4pPr indent="-317500" lvl="3" marL="1828800">
+            <a:lvl4pPr marL="1828800" lvl="3" indent="-317500">
               <a:spcBef>
                 <a:spcPts val="0"/>
               </a:spcBef>
@@ -2763,7 +2850,7 @@
               <a:buChar char="●"/>
               <a:defRPr/>
             </a:lvl4pPr>
-            <a:lvl5pPr indent="-317500" lvl="4" marL="2286000">
+            <a:lvl5pPr marL="2286000" lvl="4" indent="-317500">
               <a:spcBef>
                 <a:spcPts val="0"/>
               </a:spcBef>
@@ -2774,7 +2861,7 @@
               <a:buChar char="○"/>
               <a:defRPr/>
             </a:lvl5pPr>
-            <a:lvl6pPr indent="-317500" lvl="5" marL="2743200">
+            <a:lvl6pPr marL="2743200" lvl="5" indent="-317500">
               <a:spcBef>
                 <a:spcPts val="0"/>
               </a:spcBef>
@@ -2785,7 +2872,7 @@
               <a:buChar char="■"/>
               <a:defRPr/>
             </a:lvl6pPr>
-            <a:lvl7pPr indent="-317500" lvl="6" marL="3200400">
+            <a:lvl7pPr marL="3200400" lvl="6" indent="-317500">
               <a:spcBef>
                 <a:spcPts val="0"/>
               </a:spcBef>
@@ -2796,7 +2883,7 @@
               <a:buChar char="●"/>
               <a:defRPr/>
             </a:lvl7pPr>
-            <a:lvl8pPr indent="-317500" lvl="7" marL="3657600">
+            <a:lvl8pPr marL="3657600" lvl="7" indent="-317500">
               <a:spcBef>
                 <a:spcPts val="0"/>
               </a:spcBef>
@@ -2807,7 +2894,7 @@
               <a:buChar char="○"/>
               <a:defRPr/>
             </a:lvl8pPr>
-            <a:lvl9pPr indent="-317500" lvl="8" marL="4114800">
+            <a:lvl9pPr marL="4114800" lvl="8" indent="-317500">
               <a:spcBef>
                 <a:spcPts val="0"/>
               </a:spcBef>
@@ -2819,15 +2906,19 @@
               <a:defRPr/>
             </a:lvl9pPr>
           </a:lstStyle>
-          <a:p/>
+          <a:p>
+            <a:endParaRPr/>
+          </a:p>
         </p:txBody>
       </p:sp>
       <p:sp>
         <p:nvSpPr>
           <p:cNvPr id="19" name="Google Shape;19;p4"/>
-          <p:cNvSpPr txBox="1"/>
+          <p:cNvSpPr txBox="1">
+            <a:spLocks noGrp="1"/>
+          </p:cNvSpPr>
           <p:nvPr>
-            <p:ph idx="12" type="sldNum"/>
+            <p:ph type="sldNum" idx="12"/>
           </p:nvPr>
         </p:nvSpPr>
         <p:spPr>
@@ -2840,7 +2931,7 @@
           </a:prstGeom>
         </p:spPr>
         <p:txBody>
-          <a:bodyPr anchorCtr="0" anchor="ctr" bIns="91425" lIns="91425" spcFirstLastPara="1" rIns="91425" wrap="square" tIns="91425">
+          <a:bodyPr spcFirstLastPara="1" wrap="square" lIns="91425" tIns="91425" rIns="91425" bIns="91425" anchor="ctr" anchorCtr="0">
             <a:normAutofit/>
           </a:bodyPr>
           <a:lstStyle>
@@ -2882,7 +2973,7 @@
             </a:lvl9pPr>
           </a:lstStyle>
           <a:p>
-            <a:pPr indent="0" lvl="0" marL="0" rtl="0" algn="r">
+            <a:pPr marL="0" lvl="0" indent="0" algn="r" rtl="0">
               <a:spcBef>
                 <a:spcPts val="0"/>
               </a:spcBef>
@@ -2908,11 +2999,11 @@
 </file>
 
 <file path=ppt/slideLayouts/slideLayout4.xml><?xml version="1.0" encoding="utf-8"?>
-<p:sldLayout xmlns:a="http://schemas.openxmlformats.org/drawingml/2006/main" xmlns:r="http://schemas.openxmlformats.org/officeDocument/2006/relationships" xmlns:mc="http://schemas.openxmlformats.org/markup-compatibility/2006" xmlns:mv="urn:schemas-microsoft-com:mac:vml" xmlns:p="http://schemas.openxmlformats.org/presentationml/2006/main" xmlns:c="http://schemas.openxmlformats.org/drawingml/2006/chart" xmlns:dgm="http://schemas.openxmlformats.org/drawingml/2006/diagram" xmlns:o="urn:schemas-microsoft-com:office:office" xmlns:v="urn:schemas-microsoft-com:vml" xmlns:pvml="urn:schemas-microsoft-com:office:powerpoint" xmlns:com="http://schemas.openxmlformats.org/drawingml/2006/compatibility" xmlns:p14="http://schemas.microsoft.com/office/powerpoint/2010/main" xmlns:p15="http://schemas.microsoft.com/office/powerpoint/2012/main" xmlns:ahyp="http://schemas.microsoft.com/office/drawing/2018/hyperlinkcolor" matchingName="Title and two columns" type="twoColTx">
+<p:sldLayout xmlns:a="http://schemas.openxmlformats.org/drawingml/2006/main" xmlns:r="http://schemas.openxmlformats.org/officeDocument/2006/relationships" xmlns:p="http://schemas.openxmlformats.org/presentationml/2006/main" matchingName="Title and two columns" type="twoColTx">
   <p:cSld name="TITLE_AND_TWO_COLUMNS">
     <p:spTree>
       <p:nvGrpSpPr>
-        <p:cNvPr id="20" name="Shape 20"/>
+        <p:cNvPr id="1" name="Shape 20"/>
         <p:cNvGrpSpPr/>
         <p:nvPr/>
       </p:nvGrpSpPr>
@@ -2927,7 +3018,9 @@
       <p:sp>
         <p:nvSpPr>
           <p:cNvPr id="21" name="Google Shape;21;p5"/>
-          <p:cNvSpPr txBox="1"/>
+          <p:cNvSpPr txBox="1">
+            <a:spLocks noGrp="1"/>
+          </p:cNvSpPr>
           <p:nvPr>
             <p:ph type="title"/>
           </p:nvPr>
@@ -2942,7 +3035,7 @@
           </a:prstGeom>
         </p:spPr>
         <p:txBody>
-          <a:bodyPr anchorCtr="0" anchor="t" bIns="91425" lIns="91425" spcFirstLastPara="1" rIns="91425" wrap="square" tIns="91425">
+          <a:bodyPr spcFirstLastPara="1" wrap="square" lIns="91425" tIns="91425" rIns="91425" bIns="91425" anchor="t" anchorCtr="0">
             <a:normAutofit/>
           </a:bodyPr>
           <a:lstStyle>
@@ -3046,15 +3139,19 @@
               <a:defRPr/>
             </a:lvl9pPr>
           </a:lstStyle>
-          <a:p/>
+          <a:p>
+            <a:endParaRPr/>
+          </a:p>
         </p:txBody>
       </p:sp>
       <p:sp>
         <p:nvSpPr>
           <p:cNvPr id="22" name="Google Shape;22;p5"/>
-          <p:cNvSpPr txBox="1"/>
+          <p:cNvSpPr txBox="1">
+            <a:spLocks noGrp="1"/>
+          </p:cNvSpPr>
           <p:nvPr>
-            <p:ph idx="1" type="body"/>
+            <p:ph type="body" idx="1"/>
           </p:nvPr>
         </p:nvSpPr>
         <p:spPr>
@@ -3067,11 +3164,11 @@
           </a:prstGeom>
         </p:spPr>
         <p:txBody>
-          <a:bodyPr anchorCtr="0" anchor="t" bIns="91425" lIns="91425" spcFirstLastPara="1" rIns="91425" wrap="square" tIns="91425">
+          <a:bodyPr spcFirstLastPara="1" wrap="square" lIns="91425" tIns="91425" rIns="91425" bIns="91425" anchor="t" anchorCtr="0">
             <a:normAutofit/>
           </a:bodyPr>
           <a:lstStyle>
-            <a:lvl1pPr indent="-317500" lvl="0" marL="457200">
+            <a:lvl1pPr marL="457200" lvl="0" indent="-317500">
               <a:spcBef>
                 <a:spcPts val="0"/>
               </a:spcBef>
@@ -3082,7 +3179,7 @@
               <a:buChar char="●"/>
               <a:defRPr sz="1400"/>
             </a:lvl1pPr>
-            <a:lvl2pPr indent="-304800" lvl="1" marL="914400">
+            <a:lvl2pPr marL="914400" lvl="1" indent="-304800">
               <a:spcBef>
                 <a:spcPts val="0"/>
               </a:spcBef>
@@ -3093,7 +3190,7 @@
               <a:buChar char="○"/>
               <a:defRPr sz="1200"/>
             </a:lvl2pPr>
-            <a:lvl3pPr indent="-304800" lvl="2" marL="1371600">
+            <a:lvl3pPr marL="1371600" lvl="2" indent="-304800">
               <a:spcBef>
                 <a:spcPts val="0"/>
               </a:spcBef>
@@ -3104,7 +3201,7 @@
               <a:buChar char="■"/>
               <a:defRPr sz="1200"/>
             </a:lvl3pPr>
-            <a:lvl4pPr indent="-304800" lvl="3" marL="1828800">
+            <a:lvl4pPr marL="1828800" lvl="3" indent="-304800">
               <a:spcBef>
                 <a:spcPts val="0"/>
               </a:spcBef>
@@ -3115,7 +3212,7 @@
               <a:buChar char="●"/>
               <a:defRPr sz="1200"/>
             </a:lvl4pPr>
-            <a:lvl5pPr indent="-304800" lvl="4" marL="2286000">
+            <a:lvl5pPr marL="2286000" lvl="4" indent="-304800">
               <a:spcBef>
                 <a:spcPts val="0"/>
               </a:spcBef>
@@ -3126,7 +3223,7 @@
               <a:buChar char="○"/>
               <a:defRPr sz="1200"/>
             </a:lvl5pPr>
-            <a:lvl6pPr indent="-304800" lvl="5" marL="2743200">
+            <a:lvl6pPr marL="2743200" lvl="5" indent="-304800">
               <a:spcBef>
                 <a:spcPts val="0"/>
               </a:spcBef>
@@ -3137,7 +3234,7 @@
               <a:buChar char="■"/>
               <a:defRPr sz="1200"/>
             </a:lvl6pPr>
-            <a:lvl7pPr indent="-304800" lvl="6" marL="3200400">
+            <a:lvl7pPr marL="3200400" lvl="6" indent="-304800">
               <a:spcBef>
                 <a:spcPts val="0"/>
               </a:spcBef>
@@ -3148,7 +3245,7 @@
               <a:buChar char="●"/>
               <a:defRPr sz="1200"/>
             </a:lvl7pPr>
-            <a:lvl8pPr indent="-304800" lvl="7" marL="3657600">
+            <a:lvl8pPr marL="3657600" lvl="7" indent="-304800">
               <a:spcBef>
                 <a:spcPts val="0"/>
               </a:spcBef>
@@ -3159,7 +3256,7 @@
               <a:buChar char="○"/>
               <a:defRPr sz="1200"/>
             </a:lvl8pPr>
-            <a:lvl9pPr indent="-304800" lvl="8" marL="4114800">
+            <a:lvl9pPr marL="4114800" lvl="8" indent="-304800">
               <a:spcBef>
                 <a:spcPts val="0"/>
               </a:spcBef>
@@ -3171,15 +3268,19 @@
               <a:defRPr sz="1200"/>
             </a:lvl9pPr>
           </a:lstStyle>
-          <a:p/>
+          <a:p>
+            <a:endParaRPr/>
+          </a:p>
         </p:txBody>
       </p:sp>
       <p:sp>
         <p:nvSpPr>
           <p:cNvPr id="23" name="Google Shape;23;p5"/>
-          <p:cNvSpPr txBox="1"/>
+          <p:cNvSpPr txBox="1">
+            <a:spLocks noGrp="1"/>
+          </p:cNvSpPr>
           <p:nvPr>
-            <p:ph idx="2" type="body"/>
+            <p:ph type="body" idx="2"/>
           </p:nvPr>
         </p:nvSpPr>
         <p:spPr>
@@ -3192,11 +3293,11 @@
           </a:prstGeom>
         </p:spPr>
         <p:txBody>
-          <a:bodyPr anchorCtr="0" anchor="t" bIns="91425" lIns="91425" spcFirstLastPara="1" rIns="91425" wrap="square" tIns="91425">
+          <a:bodyPr spcFirstLastPara="1" wrap="square" lIns="91425" tIns="91425" rIns="91425" bIns="91425" anchor="t" anchorCtr="0">
             <a:normAutofit/>
           </a:bodyPr>
           <a:lstStyle>
-            <a:lvl1pPr indent="-317500" lvl="0" marL="457200">
+            <a:lvl1pPr marL="457200" lvl="0" indent="-317500">
               <a:spcBef>
                 <a:spcPts val="0"/>
               </a:spcBef>
@@ -3207,7 +3308,7 @@
               <a:buChar char="●"/>
               <a:defRPr sz="1400"/>
             </a:lvl1pPr>
-            <a:lvl2pPr indent="-304800" lvl="1" marL="914400">
+            <a:lvl2pPr marL="914400" lvl="1" indent="-304800">
               <a:spcBef>
                 <a:spcPts val="0"/>
               </a:spcBef>
@@ -3218,7 +3319,7 @@
               <a:buChar char="○"/>
               <a:defRPr sz="1200"/>
             </a:lvl2pPr>
-            <a:lvl3pPr indent="-304800" lvl="2" marL="1371600">
+            <a:lvl3pPr marL="1371600" lvl="2" indent="-304800">
               <a:spcBef>
                 <a:spcPts val="0"/>
               </a:spcBef>
@@ -3229,7 +3330,7 @@
               <a:buChar char="■"/>
               <a:defRPr sz="1200"/>
             </a:lvl3pPr>
-            <a:lvl4pPr indent="-304800" lvl="3" marL="1828800">
+            <a:lvl4pPr marL="1828800" lvl="3" indent="-304800">
               <a:spcBef>
                 <a:spcPts val="0"/>
               </a:spcBef>
@@ -3240,7 +3341,7 @@
               <a:buChar char="●"/>
               <a:defRPr sz="1200"/>
             </a:lvl4pPr>
-            <a:lvl5pPr indent="-304800" lvl="4" marL="2286000">
+            <a:lvl5pPr marL="2286000" lvl="4" indent="-304800">
               <a:spcBef>
                 <a:spcPts val="0"/>
               </a:spcBef>
@@ -3251,7 +3352,7 @@
               <a:buChar char="○"/>
               <a:defRPr sz="1200"/>
             </a:lvl5pPr>
-            <a:lvl6pPr indent="-304800" lvl="5" marL="2743200">
+            <a:lvl6pPr marL="2743200" lvl="5" indent="-304800">
               <a:spcBef>
                 <a:spcPts val="0"/>
               </a:spcBef>
@@ -3262,7 +3363,7 @@
               <a:buChar char="■"/>
               <a:defRPr sz="1200"/>
             </a:lvl6pPr>
-            <a:lvl7pPr indent="-304800" lvl="6" marL="3200400">
+            <a:lvl7pPr marL="3200400" lvl="6" indent="-304800">
               <a:spcBef>
                 <a:spcPts val="0"/>
               </a:spcBef>
@@ -3273,7 +3374,7 @@
               <a:buChar char="●"/>
               <a:defRPr sz="1200"/>
             </a:lvl7pPr>
-            <a:lvl8pPr indent="-304800" lvl="7" marL="3657600">
+            <a:lvl8pPr marL="3657600" lvl="7" indent="-304800">
               <a:spcBef>
                 <a:spcPts val="0"/>
               </a:spcBef>
@@ -3284,7 +3385,7 @@
               <a:buChar char="○"/>
               <a:defRPr sz="1200"/>
             </a:lvl8pPr>
-            <a:lvl9pPr indent="-304800" lvl="8" marL="4114800">
+            <a:lvl9pPr marL="4114800" lvl="8" indent="-304800">
               <a:spcBef>
                 <a:spcPts val="0"/>
               </a:spcBef>
@@ -3296,15 +3397,19 @@
               <a:defRPr sz="1200"/>
             </a:lvl9pPr>
           </a:lstStyle>
-          <a:p/>
+          <a:p>
+            <a:endParaRPr/>
+          </a:p>
         </p:txBody>
       </p:sp>
       <p:sp>
         <p:nvSpPr>
           <p:cNvPr id="24" name="Google Shape;24;p5"/>
-          <p:cNvSpPr txBox="1"/>
+          <p:cNvSpPr txBox="1">
+            <a:spLocks noGrp="1"/>
+          </p:cNvSpPr>
           <p:nvPr>
-            <p:ph idx="12" type="sldNum"/>
+            <p:ph type="sldNum" idx="12"/>
           </p:nvPr>
         </p:nvSpPr>
         <p:spPr>
@@ -3317,7 +3422,7 @@
           </a:prstGeom>
         </p:spPr>
         <p:txBody>
-          <a:bodyPr anchorCtr="0" anchor="ctr" bIns="91425" lIns="91425" spcFirstLastPara="1" rIns="91425" wrap="square" tIns="91425">
+          <a:bodyPr spcFirstLastPara="1" wrap="square" lIns="91425" tIns="91425" rIns="91425" bIns="91425" anchor="ctr" anchorCtr="0">
             <a:normAutofit/>
           </a:bodyPr>
           <a:lstStyle>
@@ -3359,7 +3464,7 @@
             </a:lvl9pPr>
           </a:lstStyle>
           <a:p>
-            <a:pPr indent="0" lvl="0" marL="0" rtl="0" algn="r">
+            <a:pPr marL="0" lvl="0" indent="0" algn="r" rtl="0">
               <a:spcBef>
                 <a:spcPts val="0"/>
               </a:spcBef>
@@ -3385,11 +3490,11 @@
 </file>
 
 <file path=ppt/slideLayouts/slideLayout5.xml><?xml version="1.0" encoding="utf-8"?>
-<p:sldLayout xmlns:a="http://schemas.openxmlformats.org/drawingml/2006/main" xmlns:r="http://schemas.openxmlformats.org/officeDocument/2006/relationships" xmlns:mc="http://schemas.openxmlformats.org/markup-compatibility/2006" xmlns:mv="urn:schemas-microsoft-com:mac:vml" xmlns:p="http://schemas.openxmlformats.org/presentationml/2006/main" xmlns:c="http://schemas.openxmlformats.org/drawingml/2006/chart" xmlns:dgm="http://schemas.openxmlformats.org/drawingml/2006/diagram" xmlns:o="urn:schemas-microsoft-com:office:office" xmlns:v="urn:schemas-microsoft-com:vml" xmlns:pvml="urn:schemas-microsoft-com:office:powerpoint" xmlns:com="http://schemas.openxmlformats.org/drawingml/2006/compatibility" xmlns:p14="http://schemas.microsoft.com/office/powerpoint/2010/main" xmlns:p15="http://schemas.microsoft.com/office/powerpoint/2012/main" xmlns:ahyp="http://schemas.microsoft.com/office/drawing/2018/hyperlinkcolor" matchingName="Title only" type="titleOnly">
+<p:sldLayout xmlns:a="http://schemas.openxmlformats.org/drawingml/2006/main" xmlns:r="http://schemas.openxmlformats.org/officeDocument/2006/relationships" xmlns:p="http://schemas.openxmlformats.org/presentationml/2006/main" matchingName="Title only" type="titleOnly">
   <p:cSld name="TITLE_ONLY">
     <p:spTree>
       <p:nvGrpSpPr>
-        <p:cNvPr id="25" name="Shape 25"/>
+        <p:cNvPr id="1" name="Shape 25"/>
         <p:cNvGrpSpPr/>
         <p:nvPr/>
       </p:nvGrpSpPr>
@@ -3404,7 +3509,9 @@
       <p:sp>
         <p:nvSpPr>
           <p:cNvPr id="26" name="Google Shape;26;p6"/>
-          <p:cNvSpPr txBox="1"/>
+          <p:cNvSpPr txBox="1">
+            <a:spLocks noGrp="1"/>
+          </p:cNvSpPr>
           <p:nvPr>
             <p:ph type="title"/>
           </p:nvPr>
@@ -3419,7 +3526,7 @@
           </a:prstGeom>
         </p:spPr>
         <p:txBody>
-          <a:bodyPr anchorCtr="0" anchor="t" bIns="91425" lIns="91425" spcFirstLastPara="1" rIns="91425" wrap="square" tIns="91425">
+          <a:bodyPr spcFirstLastPara="1" wrap="square" lIns="91425" tIns="91425" rIns="91425" bIns="91425" anchor="t" anchorCtr="0">
             <a:normAutofit/>
           </a:bodyPr>
           <a:lstStyle>
@@ -3523,15 +3630,19 @@
               <a:defRPr/>
             </a:lvl9pPr>
           </a:lstStyle>
-          <a:p/>
+          <a:p>
+            <a:endParaRPr/>
+          </a:p>
         </p:txBody>
       </p:sp>
       <p:sp>
         <p:nvSpPr>
           <p:cNvPr id="27" name="Google Shape;27;p6"/>
-          <p:cNvSpPr txBox="1"/>
+          <p:cNvSpPr txBox="1">
+            <a:spLocks noGrp="1"/>
+          </p:cNvSpPr>
           <p:nvPr>
-            <p:ph idx="12" type="sldNum"/>
+            <p:ph type="sldNum" idx="12"/>
           </p:nvPr>
         </p:nvSpPr>
         <p:spPr>
@@ -3544,7 +3655,7 @@
           </a:prstGeom>
         </p:spPr>
         <p:txBody>
-          <a:bodyPr anchorCtr="0" anchor="ctr" bIns="91425" lIns="91425" spcFirstLastPara="1" rIns="91425" wrap="square" tIns="91425">
+          <a:bodyPr spcFirstLastPara="1" wrap="square" lIns="91425" tIns="91425" rIns="91425" bIns="91425" anchor="ctr" anchorCtr="0">
             <a:normAutofit/>
           </a:bodyPr>
           <a:lstStyle>
@@ -3586,7 +3697,7 @@
             </a:lvl9pPr>
           </a:lstStyle>
           <a:p>
-            <a:pPr indent="0" lvl="0" marL="0" rtl="0" algn="r">
+            <a:pPr marL="0" lvl="0" indent="0" algn="r" rtl="0">
               <a:spcBef>
                 <a:spcPts val="0"/>
               </a:spcBef>
@@ -3612,11 +3723,11 @@
 </file>
 
 <file path=ppt/slideLayouts/slideLayout6.xml><?xml version="1.0" encoding="utf-8"?>
-<p:sldLayout xmlns:a="http://schemas.openxmlformats.org/drawingml/2006/main" xmlns:r="http://schemas.openxmlformats.org/officeDocument/2006/relationships" xmlns:mc="http://schemas.openxmlformats.org/markup-compatibility/2006" xmlns:mv="urn:schemas-microsoft-com:mac:vml" xmlns:p="http://schemas.openxmlformats.org/presentationml/2006/main" xmlns:c="http://schemas.openxmlformats.org/drawingml/2006/chart" xmlns:dgm="http://schemas.openxmlformats.org/drawingml/2006/diagram" xmlns:o="urn:schemas-microsoft-com:office:office" xmlns:v="urn:schemas-microsoft-com:vml" xmlns:pvml="urn:schemas-microsoft-com:office:powerpoint" xmlns:com="http://schemas.openxmlformats.org/drawingml/2006/compatibility" xmlns:p14="http://schemas.microsoft.com/office/powerpoint/2010/main" xmlns:p15="http://schemas.microsoft.com/office/powerpoint/2012/main" xmlns:ahyp="http://schemas.microsoft.com/office/drawing/2018/hyperlinkcolor" matchingName="One column text">
+<p:sldLayout xmlns:a="http://schemas.openxmlformats.org/drawingml/2006/main" xmlns:r="http://schemas.openxmlformats.org/officeDocument/2006/relationships" xmlns:p="http://schemas.openxmlformats.org/presentationml/2006/main" matchingName="One column text">
   <p:cSld name="ONE_COLUMN_TEXT">
     <p:spTree>
       <p:nvGrpSpPr>
-        <p:cNvPr id="28" name="Shape 28"/>
+        <p:cNvPr id="1" name="Shape 28"/>
         <p:cNvGrpSpPr/>
         <p:nvPr/>
       </p:nvGrpSpPr>
@@ -3631,7 +3742,9 @@
       <p:sp>
         <p:nvSpPr>
           <p:cNvPr id="29" name="Google Shape;29;p7"/>
-          <p:cNvSpPr txBox="1"/>
+          <p:cNvSpPr txBox="1">
+            <a:spLocks noGrp="1"/>
+          </p:cNvSpPr>
           <p:nvPr>
             <p:ph type="title"/>
           </p:nvPr>
@@ -3646,7 +3759,7 @@
           </a:prstGeom>
         </p:spPr>
         <p:txBody>
-          <a:bodyPr anchorCtr="0" anchor="b" bIns="91425" lIns="91425" spcFirstLastPara="1" rIns="91425" wrap="square" tIns="91425">
+          <a:bodyPr spcFirstLastPara="1" wrap="square" lIns="91425" tIns="91425" rIns="91425" bIns="91425" anchor="b" anchorCtr="0">
             <a:normAutofit/>
           </a:bodyPr>
           <a:lstStyle>
@@ -3750,15 +3863,19 @@
               <a:defRPr sz="2400"/>
             </a:lvl9pPr>
           </a:lstStyle>
-          <a:p/>
+          <a:p>
+            <a:endParaRPr/>
+          </a:p>
         </p:txBody>
       </p:sp>
       <p:sp>
         <p:nvSpPr>
           <p:cNvPr id="30" name="Google Shape;30;p7"/>
-          <p:cNvSpPr txBox="1"/>
+          <p:cNvSpPr txBox="1">
+            <a:spLocks noGrp="1"/>
+          </p:cNvSpPr>
           <p:nvPr>
-            <p:ph idx="1" type="body"/>
+            <p:ph type="body" idx="1"/>
           </p:nvPr>
         </p:nvSpPr>
         <p:spPr>
@@ -3771,11 +3888,11 @@
           </a:prstGeom>
         </p:spPr>
         <p:txBody>
-          <a:bodyPr anchorCtr="0" anchor="t" bIns="91425" lIns="91425" spcFirstLastPara="1" rIns="91425" wrap="square" tIns="91425">
+          <a:bodyPr spcFirstLastPara="1" wrap="square" lIns="91425" tIns="91425" rIns="91425" bIns="91425" anchor="t" anchorCtr="0">
             <a:normAutofit/>
           </a:bodyPr>
           <a:lstStyle>
-            <a:lvl1pPr indent="-304800" lvl="0" marL="457200">
+            <a:lvl1pPr marL="457200" lvl="0" indent="-304800">
               <a:spcBef>
                 <a:spcPts val="0"/>
               </a:spcBef>
@@ -3786,7 +3903,7 @@
               <a:buChar char="●"/>
               <a:defRPr sz="1200"/>
             </a:lvl1pPr>
-            <a:lvl2pPr indent="-304800" lvl="1" marL="914400">
+            <a:lvl2pPr marL="914400" lvl="1" indent="-304800">
               <a:spcBef>
                 <a:spcPts val="0"/>
               </a:spcBef>
@@ -3797,7 +3914,7 @@
               <a:buChar char="○"/>
               <a:defRPr sz="1200"/>
             </a:lvl2pPr>
-            <a:lvl3pPr indent="-304800" lvl="2" marL="1371600">
+            <a:lvl3pPr marL="1371600" lvl="2" indent="-304800">
               <a:spcBef>
                 <a:spcPts val="0"/>
               </a:spcBef>
@@ -3808,7 +3925,7 @@
               <a:buChar char="■"/>
               <a:defRPr sz="1200"/>
             </a:lvl3pPr>
-            <a:lvl4pPr indent="-304800" lvl="3" marL="1828800">
+            <a:lvl4pPr marL="1828800" lvl="3" indent="-304800">
               <a:spcBef>
                 <a:spcPts val="0"/>
               </a:spcBef>
@@ -3819,7 +3936,7 @@
               <a:buChar char="●"/>
               <a:defRPr sz="1200"/>
             </a:lvl4pPr>
-            <a:lvl5pPr indent="-304800" lvl="4" marL="2286000">
+            <a:lvl5pPr marL="2286000" lvl="4" indent="-304800">
               <a:spcBef>
                 <a:spcPts val="0"/>
               </a:spcBef>
@@ -3830,7 +3947,7 @@
               <a:buChar char="○"/>
               <a:defRPr sz="1200"/>
             </a:lvl5pPr>
-            <a:lvl6pPr indent="-304800" lvl="5" marL="2743200">
+            <a:lvl6pPr marL="2743200" lvl="5" indent="-304800">
               <a:spcBef>
                 <a:spcPts val="0"/>
               </a:spcBef>
@@ -3841,7 +3958,7 @@
               <a:buChar char="■"/>
               <a:defRPr sz="1200"/>
             </a:lvl6pPr>
-            <a:lvl7pPr indent="-304800" lvl="6" marL="3200400">
+            <a:lvl7pPr marL="3200400" lvl="6" indent="-304800">
               <a:spcBef>
                 <a:spcPts val="0"/>
               </a:spcBef>
@@ -3852,7 +3969,7 @@
               <a:buChar char="●"/>
               <a:defRPr sz="1200"/>
             </a:lvl7pPr>
-            <a:lvl8pPr indent="-304800" lvl="7" marL="3657600">
+            <a:lvl8pPr marL="3657600" lvl="7" indent="-304800">
               <a:spcBef>
                 <a:spcPts val="0"/>
               </a:spcBef>
@@ -3863,7 +3980,7 @@
               <a:buChar char="○"/>
               <a:defRPr sz="1200"/>
             </a:lvl8pPr>
-            <a:lvl9pPr indent="-304800" lvl="8" marL="4114800">
+            <a:lvl9pPr marL="4114800" lvl="8" indent="-304800">
               <a:spcBef>
                 <a:spcPts val="0"/>
               </a:spcBef>
@@ -3875,15 +3992,19 @@
               <a:defRPr sz="1200"/>
             </a:lvl9pPr>
           </a:lstStyle>
-          <a:p/>
+          <a:p>
+            <a:endParaRPr/>
+          </a:p>
         </p:txBody>
       </p:sp>
       <p:sp>
         <p:nvSpPr>
           <p:cNvPr id="31" name="Google Shape;31;p7"/>
-          <p:cNvSpPr txBox="1"/>
+          <p:cNvSpPr txBox="1">
+            <a:spLocks noGrp="1"/>
+          </p:cNvSpPr>
           <p:nvPr>
-            <p:ph idx="12" type="sldNum"/>
+            <p:ph type="sldNum" idx="12"/>
           </p:nvPr>
         </p:nvSpPr>
         <p:spPr>
@@ -3896,7 +4017,7 @@
           </a:prstGeom>
         </p:spPr>
         <p:txBody>
-          <a:bodyPr anchorCtr="0" anchor="ctr" bIns="91425" lIns="91425" spcFirstLastPara="1" rIns="91425" wrap="square" tIns="91425">
+          <a:bodyPr spcFirstLastPara="1" wrap="square" lIns="91425" tIns="91425" rIns="91425" bIns="91425" anchor="ctr" anchorCtr="0">
             <a:normAutofit/>
           </a:bodyPr>
           <a:lstStyle>
@@ -3938,7 +4059,7 @@
             </a:lvl9pPr>
           </a:lstStyle>
           <a:p>
-            <a:pPr indent="0" lvl="0" marL="0" rtl="0" algn="r">
+            <a:pPr marL="0" lvl="0" indent="0" algn="r" rtl="0">
               <a:spcBef>
                 <a:spcPts val="0"/>
               </a:spcBef>
@@ -3964,11 +4085,11 @@
 </file>
 
 <file path=ppt/slideLayouts/slideLayout7.xml><?xml version="1.0" encoding="utf-8"?>
-<p:sldLayout xmlns:a="http://schemas.openxmlformats.org/drawingml/2006/main" xmlns:r="http://schemas.openxmlformats.org/officeDocument/2006/relationships" xmlns:mc="http://schemas.openxmlformats.org/markup-compatibility/2006" xmlns:mv="urn:schemas-microsoft-com:mac:vml" xmlns:p="http://schemas.openxmlformats.org/presentationml/2006/main" xmlns:c="http://schemas.openxmlformats.org/drawingml/2006/chart" xmlns:dgm="http://schemas.openxmlformats.org/drawingml/2006/diagram" xmlns:o="urn:schemas-microsoft-com:office:office" xmlns:v="urn:schemas-microsoft-com:vml" xmlns:pvml="urn:schemas-microsoft-com:office:powerpoint" xmlns:com="http://schemas.openxmlformats.org/drawingml/2006/compatibility" xmlns:p14="http://schemas.microsoft.com/office/powerpoint/2010/main" xmlns:p15="http://schemas.microsoft.com/office/powerpoint/2012/main" xmlns:ahyp="http://schemas.microsoft.com/office/drawing/2018/hyperlinkcolor" matchingName="Main point">
+<p:sldLayout xmlns:a="http://schemas.openxmlformats.org/drawingml/2006/main" xmlns:r="http://schemas.openxmlformats.org/officeDocument/2006/relationships" xmlns:p="http://schemas.openxmlformats.org/presentationml/2006/main" matchingName="Main point">
   <p:cSld name="MAIN_POINT">
     <p:spTree>
       <p:nvGrpSpPr>
-        <p:cNvPr id="32" name="Shape 32"/>
+        <p:cNvPr id="1" name="Shape 32"/>
         <p:cNvGrpSpPr/>
         <p:nvPr/>
       </p:nvGrpSpPr>
@@ -3983,7 +4104,9 @@
       <p:sp>
         <p:nvSpPr>
           <p:cNvPr id="33" name="Google Shape;33;p8"/>
-          <p:cNvSpPr txBox="1"/>
+          <p:cNvSpPr txBox="1">
+            <a:spLocks noGrp="1"/>
+          </p:cNvSpPr>
           <p:nvPr>
             <p:ph type="title"/>
           </p:nvPr>
@@ -3998,7 +4121,7 @@
           </a:prstGeom>
         </p:spPr>
         <p:txBody>
-          <a:bodyPr anchorCtr="0" anchor="ctr" bIns="91425" lIns="91425" spcFirstLastPara="1" rIns="91425" wrap="square" tIns="91425">
+          <a:bodyPr spcFirstLastPara="1" wrap="square" lIns="91425" tIns="91425" rIns="91425" bIns="91425" anchor="ctr" anchorCtr="0">
             <a:normAutofit/>
           </a:bodyPr>
           <a:lstStyle>
@@ -4102,15 +4225,19 @@
               <a:defRPr sz="4800"/>
             </a:lvl9pPr>
           </a:lstStyle>
-          <a:p/>
+          <a:p>
+            <a:endParaRPr/>
+          </a:p>
         </p:txBody>
       </p:sp>
       <p:sp>
         <p:nvSpPr>
           <p:cNvPr id="34" name="Google Shape;34;p8"/>
-          <p:cNvSpPr txBox="1"/>
+          <p:cNvSpPr txBox="1">
+            <a:spLocks noGrp="1"/>
+          </p:cNvSpPr>
           <p:nvPr>
-            <p:ph idx="12" type="sldNum"/>
+            <p:ph type="sldNum" idx="12"/>
           </p:nvPr>
         </p:nvSpPr>
         <p:spPr>
@@ -4123,7 +4250,7 @@
           </a:prstGeom>
         </p:spPr>
         <p:txBody>
-          <a:bodyPr anchorCtr="0" anchor="ctr" bIns="91425" lIns="91425" spcFirstLastPara="1" rIns="91425" wrap="square" tIns="91425">
+          <a:bodyPr spcFirstLastPara="1" wrap="square" lIns="91425" tIns="91425" rIns="91425" bIns="91425" anchor="ctr" anchorCtr="0">
             <a:normAutofit/>
           </a:bodyPr>
           <a:lstStyle>
@@ -4165,7 +4292,7 @@
             </a:lvl9pPr>
           </a:lstStyle>
           <a:p>
-            <a:pPr indent="0" lvl="0" marL="0" rtl="0" algn="r">
+            <a:pPr marL="0" lvl="0" indent="0" algn="r" rtl="0">
               <a:spcBef>
                 <a:spcPts val="0"/>
               </a:spcBef>
@@ -4191,11 +4318,11 @@
 </file>
 
 <file path=ppt/slideLayouts/slideLayout8.xml><?xml version="1.0" encoding="utf-8"?>
-<p:sldLayout xmlns:a="http://schemas.openxmlformats.org/drawingml/2006/main" xmlns:r="http://schemas.openxmlformats.org/officeDocument/2006/relationships" xmlns:mc="http://schemas.openxmlformats.org/markup-compatibility/2006" xmlns:mv="urn:schemas-microsoft-com:mac:vml" xmlns:p="http://schemas.openxmlformats.org/presentationml/2006/main" xmlns:c="http://schemas.openxmlformats.org/drawingml/2006/chart" xmlns:dgm="http://schemas.openxmlformats.org/drawingml/2006/diagram" xmlns:o="urn:schemas-microsoft-com:office:office" xmlns:v="urn:schemas-microsoft-com:vml" xmlns:pvml="urn:schemas-microsoft-com:office:powerpoint" xmlns:com="http://schemas.openxmlformats.org/drawingml/2006/compatibility" xmlns:p14="http://schemas.microsoft.com/office/powerpoint/2010/main" xmlns:p15="http://schemas.microsoft.com/office/powerpoint/2012/main" xmlns:ahyp="http://schemas.microsoft.com/office/drawing/2018/hyperlinkcolor" matchingName="Section title and description">
+<p:sldLayout xmlns:a="http://schemas.openxmlformats.org/drawingml/2006/main" xmlns:r="http://schemas.openxmlformats.org/officeDocument/2006/relationships" xmlns:p="http://schemas.openxmlformats.org/presentationml/2006/main" matchingName="Section title and description">
   <p:cSld name="SECTION_TITLE_AND_DESCRIPTION">
     <p:spTree>
       <p:nvGrpSpPr>
-        <p:cNvPr id="35" name="Shape 35"/>
+        <p:cNvPr id="1" name="Shape 35"/>
         <p:cNvGrpSpPr/>
         <p:nvPr/>
       </p:nvGrpSpPr>
@@ -4229,12 +4356,12 @@
           </a:ln>
         </p:spPr>
         <p:txBody>
-          <a:bodyPr anchorCtr="0" anchor="ctr" bIns="91425" lIns="91425" spcFirstLastPara="1" rIns="91425" wrap="square" tIns="91425">
+          <a:bodyPr spcFirstLastPara="1" wrap="square" lIns="91425" tIns="91425" rIns="91425" bIns="91425" anchor="ctr" anchorCtr="0">
             <a:noAutofit/>
           </a:bodyPr>
           <a:lstStyle/>
           <a:p>
-            <a:pPr indent="0" lvl="0" marL="0" rtl="0" algn="l">
+            <a:pPr marL="0" lvl="0" indent="0" algn="l" rtl="0">
               <a:spcBef>
                 <a:spcPts val="0"/>
               </a:spcBef>
@@ -4243,9 +4370,6 @@
               </a:spcAft>
               <a:buNone/>
             </a:pPr>
-            <a:r>
-              <a:t/>
-            </a:r>
             <a:endParaRPr/>
           </a:p>
         </p:txBody>
@@ -4253,7 +4377,9 @@
       <p:sp>
         <p:nvSpPr>
           <p:cNvPr id="37" name="Google Shape;37;p9"/>
-          <p:cNvSpPr txBox="1"/>
+          <p:cNvSpPr txBox="1">
+            <a:spLocks noGrp="1"/>
+          </p:cNvSpPr>
           <p:nvPr>
             <p:ph type="title"/>
           </p:nvPr>
@@ -4268,7 +4394,7 @@
           </a:prstGeom>
         </p:spPr>
         <p:txBody>
-          <a:bodyPr anchorCtr="0" anchor="b" bIns="91425" lIns="91425" spcFirstLastPara="1" rIns="91425" wrap="square" tIns="91425">
+          <a:bodyPr spcFirstLastPara="1" wrap="square" lIns="91425" tIns="91425" rIns="91425" bIns="91425" anchor="b" anchorCtr="0">
             <a:normAutofit/>
           </a:bodyPr>
           <a:lstStyle>
@@ -4372,15 +4498,19 @@
               <a:defRPr sz="4200"/>
             </a:lvl9pPr>
           </a:lstStyle>
-          <a:p/>
+          <a:p>
+            <a:endParaRPr/>
+          </a:p>
         </p:txBody>
       </p:sp>
       <p:sp>
         <p:nvSpPr>
           <p:cNvPr id="38" name="Google Shape;38;p9"/>
-          <p:cNvSpPr txBox="1"/>
+          <p:cNvSpPr txBox="1">
+            <a:spLocks noGrp="1"/>
+          </p:cNvSpPr>
           <p:nvPr>
-            <p:ph idx="1" type="subTitle"/>
+            <p:ph type="subTitle" idx="1"/>
           </p:nvPr>
         </p:nvSpPr>
         <p:spPr>
@@ -4393,7 +4523,7 @@
           </a:prstGeom>
         </p:spPr>
         <p:txBody>
-          <a:bodyPr anchorCtr="0" anchor="t" bIns="91425" lIns="91425" spcFirstLastPara="1" rIns="91425" wrap="square" tIns="91425">
+          <a:bodyPr spcFirstLastPara="1" wrap="square" lIns="91425" tIns="91425" rIns="91425" bIns="91425" anchor="t" anchorCtr="0">
             <a:normAutofit/>
           </a:bodyPr>
           <a:lstStyle>
@@ -4524,15 +4654,19 @@
               <a:defRPr sz="2100"/>
             </a:lvl9pPr>
           </a:lstStyle>
-          <a:p/>
+          <a:p>
+            <a:endParaRPr/>
+          </a:p>
         </p:txBody>
       </p:sp>
       <p:sp>
         <p:nvSpPr>
           <p:cNvPr id="39" name="Google Shape;39;p9"/>
-          <p:cNvSpPr txBox="1"/>
+          <p:cNvSpPr txBox="1">
+            <a:spLocks noGrp="1"/>
+          </p:cNvSpPr>
           <p:nvPr>
-            <p:ph idx="2" type="body"/>
+            <p:ph type="body" idx="2"/>
           </p:nvPr>
         </p:nvSpPr>
         <p:spPr>
@@ -4545,11 +4679,11 @@
           </a:prstGeom>
         </p:spPr>
         <p:txBody>
-          <a:bodyPr anchorCtr="0" anchor="ctr" bIns="91425" lIns="91425" spcFirstLastPara="1" rIns="91425" wrap="square" tIns="91425">
+          <a:bodyPr spcFirstLastPara="1" wrap="square" lIns="91425" tIns="91425" rIns="91425" bIns="91425" anchor="ctr" anchorCtr="0">
             <a:normAutofit/>
           </a:bodyPr>
           <a:lstStyle>
-            <a:lvl1pPr indent="-342900" lvl="0" marL="457200">
+            <a:lvl1pPr marL="457200" lvl="0" indent="-342900">
               <a:spcBef>
                 <a:spcPts val="0"/>
               </a:spcBef>
@@ -4560,7 +4694,7 @@
               <a:buChar char="●"/>
               <a:defRPr/>
             </a:lvl1pPr>
-            <a:lvl2pPr indent="-317500" lvl="1" marL="914400">
+            <a:lvl2pPr marL="914400" lvl="1" indent="-317500">
               <a:spcBef>
                 <a:spcPts val="0"/>
               </a:spcBef>
@@ -4571,7 +4705,7 @@
               <a:buChar char="○"/>
               <a:defRPr/>
             </a:lvl2pPr>
-            <a:lvl3pPr indent="-317500" lvl="2" marL="1371600">
+            <a:lvl3pPr marL="1371600" lvl="2" indent="-317500">
               <a:spcBef>
                 <a:spcPts val="0"/>
               </a:spcBef>
@@ -4582,7 +4716,7 @@
               <a:buChar char="■"/>
               <a:defRPr/>
             </a:lvl3pPr>
-            <a:lvl4pPr indent="-317500" lvl="3" marL="1828800">
+            <a:lvl4pPr marL="1828800" lvl="3" indent="-317500">
               <a:spcBef>
                 <a:spcPts val="0"/>
               </a:spcBef>
@@ -4593,7 +4727,7 @@
               <a:buChar char="●"/>
               <a:defRPr/>
             </a:lvl4pPr>
-            <a:lvl5pPr indent="-317500" lvl="4" marL="2286000">
+            <a:lvl5pPr marL="2286000" lvl="4" indent="-317500">
               <a:spcBef>
                 <a:spcPts val="0"/>
               </a:spcBef>
@@ -4604,7 +4738,7 @@
               <a:buChar char="○"/>
               <a:defRPr/>
             </a:lvl5pPr>
-            <a:lvl6pPr indent="-317500" lvl="5" marL="2743200">
+            <a:lvl6pPr marL="2743200" lvl="5" indent="-317500">
               <a:spcBef>
                 <a:spcPts val="0"/>
               </a:spcBef>
@@ -4615,7 +4749,7 @@
               <a:buChar char="■"/>
               <a:defRPr/>
             </a:lvl6pPr>
-            <a:lvl7pPr indent="-317500" lvl="6" marL="3200400">
+            <a:lvl7pPr marL="3200400" lvl="6" indent="-317500">
               <a:spcBef>
                 <a:spcPts val="0"/>
               </a:spcBef>
@@ -4626,7 +4760,7 @@
               <a:buChar char="●"/>
               <a:defRPr/>
             </a:lvl7pPr>
-            <a:lvl8pPr indent="-317500" lvl="7" marL="3657600">
+            <a:lvl8pPr marL="3657600" lvl="7" indent="-317500">
               <a:spcBef>
                 <a:spcPts val="0"/>
               </a:spcBef>
@@ -4637,7 +4771,7 @@
               <a:buChar char="○"/>
               <a:defRPr/>
             </a:lvl8pPr>
-            <a:lvl9pPr indent="-317500" lvl="8" marL="4114800">
+            <a:lvl9pPr marL="4114800" lvl="8" indent="-317500">
               <a:spcBef>
                 <a:spcPts val="0"/>
               </a:spcBef>
@@ -4649,15 +4783,19 @@
               <a:defRPr/>
             </a:lvl9pPr>
           </a:lstStyle>
-          <a:p/>
+          <a:p>
+            <a:endParaRPr/>
+          </a:p>
         </p:txBody>
       </p:sp>
       <p:sp>
         <p:nvSpPr>
           <p:cNvPr id="40" name="Google Shape;40;p9"/>
-          <p:cNvSpPr txBox="1"/>
+          <p:cNvSpPr txBox="1">
+            <a:spLocks noGrp="1"/>
+          </p:cNvSpPr>
           <p:nvPr>
-            <p:ph idx="12" type="sldNum"/>
+            <p:ph type="sldNum" idx="12"/>
           </p:nvPr>
         </p:nvSpPr>
         <p:spPr>
@@ -4670,7 +4808,7 @@
           </a:prstGeom>
         </p:spPr>
         <p:txBody>
-          <a:bodyPr anchorCtr="0" anchor="ctr" bIns="91425" lIns="91425" spcFirstLastPara="1" rIns="91425" wrap="square" tIns="91425">
+          <a:bodyPr spcFirstLastPara="1" wrap="square" lIns="91425" tIns="91425" rIns="91425" bIns="91425" anchor="ctr" anchorCtr="0">
             <a:normAutofit/>
           </a:bodyPr>
           <a:lstStyle>
@@ -4712,7 +4850,7 @@
             </a:lvl9pPr>
           </a:lstStyle>
           <a:p>
-            <a:pPr indent="0" lvl="0" marL="0" rtl="0" algn="r">
+            <a:pPr marL="0" lvl="0" indent="0" algn="r" rtl="0">
               <a:spcBef>
                 <a:spcPts val="0"/>
               </a:spcBef>
@@ -4738,11 +4876,11 @@
 </file>
 
 <file path=ppt/slideLayouts/slideLayout9.xml><?xml version="1.0" encoding="utf-8"?>
-<p:sldLayout xmlns:a="http://schemas.openxmlformats.org/drawingml/2006/main" xmlns:r="http://schemas.openxmlformats.org/officeDocument/2006/relationships" xmlns:mc="http://schemas.openxmlformats.org/markup-compatibility/2006" xmlns:mv="urn:schemas-microsoft-com:mac:vml" xmlns:p="http://schemas.openxmlformats.org/presentationml/2006/main" xmlns:c="http://schemas.openxmlformats.org/drawingml/2006/chart" xmlns:dgm="http://schemas.openxmlformats.org/drawingml/2006/diagram" xmlns:o="urn:schemas-microsoft-com:office:office" xmlns:v="urn:schemas-microsoft-com:vml" xmlns:pvml="urn:schemas-microsoft-com:office:powerpoint" xmlns:com="http://schemas.openxmlformats.org/drawingml/2006/compatibility" xmlns:p14="http://schemas.microsoft.com/office/powerpoint/2010/main" xmlns:p15="http://schemas.microsoft.com/office/powerpoint/2012/main" xmlns:ahyp="http://schemas.microsoft.com/office/drawing/2018/hyperlinkcolor" matchingName="Caption">
+<p:sldLayout xmlns:a="http://schemas.openxmlformats.org/drawingml/2006/main" xmlns:r="http://schemas.openxmlformats.org/officeDocument/2006/relationships" xmlns:p="http://schemas.openxmlformats.org/presentationml/2006/main" matchingName="Caption">
   <p:cSld name="CAPTION_ONLY">
     <p:spTree>
       <p:nvGrpSpPr>
-        <p:cNvPr id="41" name="Shape 41"/>
+        <p:cNvPr id="1" name="Shape 41"/>
         <p:cNvGrpSpPr/>
         <p:nvPr/>
       </p:nvGrpSpPr>
@@ -4757,9 +4895,11 @@
       <p:sp>
         <p:nvSpPr>
           <p:cNvPr id="42" name="Google Shape;42;p10"/>
-          <p:cNvSpPr txBox="1"/>
+          <p:cNvSpPr txBox="1">
+            <a:spLocks noGrp="1"/>
+          </p:cNvSpPr>
           <p:nvPr>
-            <p:ph idx="1" type="body"/>
+            <p:ph type="body" idx="1"/>
           </p:nvPr>
         </p:nvSpPr>
         <p:spPr>
@@ -4772,11 +4912,11 @@
           </a:prstGeom>
         </p:spPr>
         <p:txBody>
-          <a:bodyPr anchorCtr="0" anchor="ctr" bIns="91425" lIns="91425" spcFirstLastPara="1" rIns="91425" wrap="square" tIns="91425">
+          <a:bodyPr spcFirstLastPara="1" wrap="square" lIns="91425" tIns="91425" rIns="91425" bIns="91425" anchor="ctr" anchorCtr="0">
             <a:normAutofit/>
           </a:bodyPr>
           <a:lstStyle>
-            <a:lvl1pPr indent="-228600" lvl="0" marL="457200">
+            <a:lvl1pPr marL="457200" lvl="0" indent="-228600">
               <a:lnSpc>
                 <a:spcPct val="100000"/>
               </a:lnSpc>
@@ -4791,15 +4931,19 @@
               <a:defRPr/>
             </a:lvl1pPr>
           </a:lstStyle>
-          <a:p/>
+          <a:p>
+            <a:endParaRPr/>
+          </a:p>
         </p:txBody>
       </p:sp>
       <p:sp>
         <p:nvSpPr>
           <p:cNvPr id="43" name="Google Shape;43;p10"/>
-          <p:cNvSpPr txBox="1"/>
+          <p:cNvSpPr txBox="1">
+            <a:spLocks noGrp="1"/>
+          </p:cNvSpPr>
           <p:nvPr>
-            <p:ph idx="12" type="sldNum"/>
+            <p:ph type="sldNum" idx="12"/>
           </p:nvPr>
         </p:nvSpPr>
         <p:spPr>
@@ -4812,7 +4956,7 @@
           </a:prstGeom>
         </p:spPr>
         <p:txBody>
-          <a:bodyPr anchorCtr="0" anchor="ctr" bIns="91425" lIns="91425" spcFirstLastPara="1" rIns="91425" wrap="square" tIns="91425">
+          <a:bodyPr spcFirstLastPara="1" wrap="square" lIns="91425" tIns="91425" rIns="91425" bIns="91425" anchor="ctr" anchorCtr="0">
             <a:normAutofit/>
           </a:bodyPr>
           <a:lstStyle>
@@ -4854,7 +4998,7 @@
             </a:lvl9pPr>
           </a:lstStyle>
           <a:p>
-            <a:pPr indent="0" lvl="0" marL="0" rtl="0" algn="r">
+            <a:pPr marL="0" lvl="0" indent="0" algn="r" rtl="0">
               <a:spcBef>
                 <a:spcPts val="0"/>
               </a:spcBef>
@@ -4880,18 +5024,19 @@
 </file>
 
 <file path=ppt/slideMasters/slideMaster1.xml><?xml version="1.0" encoding="utf-8"?>
-<p:sldMaster xmlns:a="http://schemas.openxmlformats.org/drawingml/2006/main" xmlns:r="http://schemas.openxmlformats.org/officeDocument/2006/relationships" xmlns:mc="http://schemas.openxmlformats.org/markup-compatibility/2006" xmlns:mv="urn:schemas-microsoft-com:mac:vml" xmlns:p="http://schemas.openxmlformats.org/presentationml/2006/main" xmlns:c="http://schemas.openxmlformats.org/drawingml/2006/chart" xmlns:dgm="http://schemas.openxmlformats.org/drawingml/2006/diagram" xmlns:o="urn:schemas-microsoft-com:office:office" xmlns:v="urn:schemas-microsoft-com:vml" xmlns:pvml="urn:schemas-microsoft-com:office:powerpoint" xmlns:com="http://schemas.openxmlformats.org/drawingml/2006/compatibility" xmlns:p14="http://schemas.microsoft.com/office/powerpoint/2010/main" xmlns:p15="http://schemas.microsoft.com/office/powerpoint/2012/main" xmlns:ahyp="http://schemas.microsoft.com/office/drawing/2018/hyperlinkcolor">
+<p:sldMaster xmlns:a="http://schemas.openxmlformats.org/drawingml/2006/main" xmlns:r="http://schemas.openxmlformats.org/officeDocument/2006/relationships" xmlns:p="http://schemas.openxmlformats.org/presentationml/2006/main">
   <p:cSld name="simple-light-2">
     <p:bg>
       <p:bgPr>
         <a:solidFill>
           <a:schemeClr val="lt1"/>
         </a:solidFill>
+        <a:effectLst/>
       </p:bgPr>
     </p:bg>
     <p:spTree>
       <p:nvGrpSpPr>
-        <p:cNvPr id="5" name="Shape 5"/>
+        <p:cNvPr id="1" name="Shape 5"/>
         <p:cNvGrpSpPr/>
         <p:nvPr/>
       </p:nvGrpSpPr>
@@ -4906,7 +5051,9 @@
       <p:sp>
         <p:nvSpPr>
           <p:cNvPr id="6" name="Google Shape;6;p1"/>
-          <p:cNvSpPr txBox="1"/>
+          <p:cNvSpPr txBox="1">
+            <a:spLocks noGrp="1"/>
+          </p:cNvSpPr>
           <p:nvPr>
             <p:ph type="title"/>
           </p:nvPr>
@@ -4925,7 +5072,7 @@
           </a:ln>
         </p:spPr>
         <p:txBody>
-          <a:bodyPr anchorCtr="0" anchor="t" bIns="91425" lIns="91425" spcFirstLastPara="1" rIns="91425" wrap="square" tIns="91425">
+          <a:bodyPr spcFirstLastPara="1" wrap="square" lIns="91425" tIns="91425" rIns="91425" bIns="91425" anchor="t" anchorCtr="0">
             <a:normAutofit/>
           </a:bodyPr>
           <a:lstStyle>
@@ -5092,15 +5239,19 @@
               </a:defRPr>
             </a:lvl9pPr>
           </a:lstStyle>
-          <a:p/>
+          <a:p>
+            <a:endParaRPr/>
+          </a:p>
         </p:txBody>
       </p:sp>
       <p:sp>
         <p:nvSpPr>
           <p:cNvPr id="7" name="Google Shape;7;p1"/>
-          <p:cNvSpPr txBox="1"/>
+          <p:cNvSpPr txBox="1">
+            <a:spLocks noGrp="1"/>
+          </p:cNvSpPr>
           <p:nvPr>
-            <p:ph idx="1" type="body"/>
+            <p:ph type="body" idx="1"/>
           </p:nvPr>
         </p:nvSpPr>
         <p:spPr>
@@ -5117,11 +5268,11 @@
           </a:ln>
         </p:spPr>
         <p:txBody>
-          <a:bodyPr anchorCtr="0" anchor="t" bIns="91425" lIns="91425" spcFirstLastPara="1" rIns="91425" wrap="square" tIns="91425">
+          <a:bodyPr spcFirstLastPara="1" wrap="square" lIns="91425" tIns="91425" rIns="91425" bIns="91425" anchor="t" anchorCtr="0">
             <a:normAutofit/>
           </a:bodyPr>
           <a:lstStyle>
-            <a:lvl1pPr indent="-342900" lvl="0" marL="457200">
+            <a:lvl1pPr marL="457200" lvl="0" indent="-342900">
               <a:lnSpc>
                 <a:spcPct val="115000"/>
               </a:lnSpc>
@@ -5142,7 +5293,7 @@
                 </a:solidFill>
               </a:defRPr>
             </a:lvl1pPr>
-            <a:lvl2pPr indent="-317500" lvl="1" marL="914400">
+            <a:lvl2pPr marL="914400" lvl="1" indent="-317500">
               <a:lnSpc>
                 <a:spcPct val="115000"/>
               </a:lnSpc>
@@ -5163,7 +5314,7 @@
                 </a:solidFill>
               </a:defRPr>
             </a:lvl2pPr>
-            <a:lvl3pPr indent="-317500" lvl="2" marL="1371600">
+            <a:lvl3pPr marL="1371600" lvl="2" indent="-317500">
               <a:lnSpc>
                 <a:spcPct val="115000"/>
               </a:lnSpc>
@@ -5184,7 +5335,7 @@
                 </a:solidFill>
               </a:defRPr>
             </a:lvl3pPr>
-            <a:lvl4pPr indent="-317500" lvl="3" marL="1828800">
+            <a:lvl4pPr marL="1828800" lvl="3" indent="-317500">
               <a:lnSpc>
                 <a:spcPct val="115000"/>
               </a:lnSpc>
@@ -5205,7 +5356,7 @@
                 </a:solidFill>
               </a:defRPr>
             </a:lvl4pPr>
-            <a:lvl5pPr indent="-317500" lvl="4" marL="2286000">
+            <a:lvl5pPr marL="2286000" lvl="4" indent="-317500">
               <a:lnSpc>
                 <a:spcPct val="115000"/>
               </a:lnSpc>
@@ -5226,7 +5377,7 @@
                 </a:solidFill>
               </a:defRPr>
             </a:lvl5pPr>
-            <a:lvl6pPr indent="-317500" lvl="5" marL="2743200">
+            <a:lvl6pPr marL="2743200" lvl="5" indent="-317500">
               <a:lnSpc>
                 <a:spcPct val="115000"/>
               </a:lnSpc>
@@ -5247,7 +5398,7 @@
                 </a:solidFill>
               </a:defRPr>
             </a:lvl6pPr>
-            <a:lvl7pPr indent="-317500" lvl="6" marL="3200400">
+            <a:lvl7pPr marL="3200400" lvl="6" indent="-317500">
               <a:lnSpc>
                 <a:spcPct val="115000"/>
               </a:lnSpc>
@@ -5268,7 +5419,7 @@
                 </a:solidFill>
               </a:defRPr>
             </a:lvl7pPr>
-            <a:lvl8pPr indent="-317500" lvl="7" marL="3657600">
+            <a:lvl8pPr marL="3657600" lvl="7" indent="-317500">
               <a:lnSpc>
                 <a:spcPct val="115000"/>
               </a:lnSpc>
@@ -5289,7 +5440,7 @@
                 </a:solidFill>
               </a:defRPr>
             </a:lvl8pPr>
-            <a:lvl9pPr indent="-317500" lvl="8" marL="4114800">
+            <a:lvl9pPr marL="4114800" lvl="8" indent="-317500">
               <a:lnSpc>
                 <a:spcPct val="115000"/>
               </a:lnSpc>
@@ -5311,15 +5462,19 @@
               </a:defRPr>
             </a:lvl9pPr>
           </a:lstStyle>
-          <a:p/>
+          <a:p>
+            <a:endParaRPr/>
+          </a:p>
         </p:txBody>
       </p:sp>
       <p:sp>
         <p:nvSpPr>
           <p:cNvPr id="8" name="Google Shape;8;p1"/>
-          <p:cNvSpPr txBox="1"/>
+          <p:cNvSpPr txBox="1">
+            <a:spLocks noGrp="1"/>
+          </p:cNvSpPr>
           <p:nvPr>
-            <p:ph idx="12" type="sldNum"/>
+            <p:ph type="sldNum" idx="12"/>
           </p:nvPr>
         </p:nvSpPr>
         <p:spPr>
@@ -5336,7 +5491,7 @@
           </a:ln>
         </p:spPr>
         <p:txBody>
-          <a:bodyPr anchorCtr="0" anchor="ctr" bIns="91425" lIns="91425" spcFirstLastPara="1" rIns="91425" wrap="square" tIns="91425">
+          <a:bodyPr spcFirstLastPara="1" wrap="square" lIns="91425" tIns="91425" rIns="91425" bIns="91425" anchor="ctr" anchorCtr="0">
             <a:normAutofit/>
           </a:bodyPr>
           <a:lstStyle>
@@ -5414,7 +5569,7 @@
             </a:lvl9pPr>
           </a:lstStyle>
           <a:p>
-            <a:pPr indent="0" lvl="0" marL="0" rtl="0" algn="r">
+            <a:pPr marL="0" lvl="0" indent="0" algn="r" rtl="0">
               <a:spcBef>
                 <a:spcPts val="0"/>
               </a:spcBef>
@@ -5433,7 +5588,7 @@
       </p:sp>
     </p:spTree>
   </p:cSld>
-  <p:clrMap accent1="accent1" accent2="accent2" accent3="accent3" accent4="accent4" accent5="accent5" accent6="accent6" bg1="lt1" bg2="dk2" tx1="dk1" tx2="lt2" folHlink="folHlink" hlink="hlink"/>
+  <p:clrMap bg1="lt1" tx1="dk1" bg2="dk2" tx2="lt2" accent1="accent1" accent2="accent2" accent3="accent3" accent4="accent4" accent5="accent5" accent6="accent6" hlink="hlink" folHlink="folHlink"/>
   <p:sldLayoutIdLst>
     <p:sldLayoutId id="2147483648" r:id="rId1"/>
     <p:sldLayoutId id="2147483649" r:id="rId2"/>
@@ -5447,10 +5602,10 @@
     <p:sldLayoutId id="2147483657" r:id="rId10"/>
     <p:sldLayoutId id="2147483658" r:id="rId11"/>
   </p:sldLayoutIdLst>
-  <p:hf dt="0" ftr="0" hdr="0" sldNum="0"/>
+  <p:hf sldNum="0" hdr="0" ftr="0" dt="0"/>
   <p:txStyles>
     <p:titleStyle>
-      <a:defPPr lvl="0" marR="0" rtl="0" algn="l">
+      <a:defPPr marR="0" lvl="0" algn="l" rtl="0">
         <a:lnSpc>
           <a:spcPct val="100000"/>
         </a:lnSpc>
@@ -5461,7 +5616,7 @@
           <a:spcPts val="0"/>
         </a:spcAft>
       </a:defPPr>
-      <a:lvl1pPr lvl="0" marR="0" rtl="0" algn="l">
+      <a:lvl1pPr marR="0" lvl="0" algn="l" rtl="0">
         <a:lnSpc>
           <a:spcPct val="100000"/>
         </a:lnSpc>
@@ -5475,7 +5630,7 @@
           <a:srgbClr val="000000"/>
         </a:buClr>
         <a:buFont typeface="Arial"/>
-        <a:defRPr b="0" i="0" sz="1400" u="none" cap="none" strike="noStrike">
+        <a:defRPr sz="1400" b="0" i="0" u="none" strike="noStrike" cap="none">
           <a:solidFill>
             <a:srgbClr val="000000"/>
           </a:solidFill>
@@ -5485,7 +5640,7 @@
           <a:sym typeface="Arial"/>
         </a:defRPr>
       </a:lvl1pPr>
-      <a:lvl2pPr lvl="1" marR="0" rtl="0" algn="l">
+      <a:lvl2pPr marR="0" lvl="1" algn="l" rtl="0">
         <a:lnSpc>
           <a:spcPct val="100000"/>
         </a:lnSpc>
@@ -5499,7 +5654,7 @@
           <a:srgbClr val="000000"/>
         </a:buClr>
         <a:buFont typeface="Arial"/>
-        <a:defRPr b="0" i="0" sz="1400" u="none" cap="none" strike="noStrike">
+        <a:defRPr sz="1400" b="0" i="0" u="none" strike="noStrike" cap="none">
           <a:solidFill>
             <a:srgbClr val="000000"/>
           </a:solidFill>
@@ -5509,7 +5664,7 @@
           <a:sym typeface="Arial"/>
         </a:defRPr>
       </a:lvl2pPr>
-      <a:lvl3pPr lvl="2" marR="0" rtl="0" algn="l">
+      <a:lvl3pPr marR="0" lvl="2" algn="l" rtl="0">
         <a:lnSpc>
           <a:spcPct val="100000"/>
         </a:lnSpc>
@@ -5523,7 +5678,7 @@
           <a:srgbClr val="000000"/>
         </a:buClr>
         <a:buFont typeface="Arial"/>
-        <a:defRPr b="0" i="0" sz="1400" u="none" cap="none" strike="noStrike">
+        <a:defRPr sz="1400" b="0" i="0" u="none" strike="noStrike" cap="none">
           <a:solidFill>
             <a:srgbClr val="000000"/>
           </a:solidFill>
@@ -5533,7 +5688,7 @@
           <a:sym typeface="Arial"/>
         </a:defRPr>
       </a:lvl3pPr>
-      <a:lvl4pPr lvl="3" marR="0" rtl="0" algn="l">
+      <a:lvl4pPr marR="0" lvl="3" algn="l" rtl="0">
         <a:lnSpc>
           <a:spcPct val="100000"/>
         </a:lnSpc>
@@ -5547,7 +5702,7 @@
           <a:srgbClr val="000000"/>
         </a:buClr>
         <a:buFont typeface="Arial"/>
-        <a:defRPr b="0" i="0" sz="1400" u="none" cap="none" strike="noStrike">
+        <a:defRPr sz="1400" b="0" i="0" u="none" strike="noStrike" cap="none">
           <a:solidFill>
             <a:srgbClr val="000000"/>
           </a:solidFill>
@@ -5557,7 +5712,7 @@
           <a:sym typeface="Arial"/>
         </a:defRPr>
       </a:lvl4pPr>
-      <a:lvl5pPr lvl="4" marR="0" rtl="0" algn="l">
+      <a:lvl5pPr marR="0" lvl="4" algn="l" rtl="0">
         <a:lnSpc>
           <a:spcPct val="100000"/>
         </a:lnSpc>
@@ -5571,7 +5726,7 @@
           <a:srgbClr val="000000"/>
         </a:buClr>
         <a:buFont typeface="Arial"/>
-        <a:defRPr b="0" i="0" sz="1400" u="none" cap="none" strike="noStrike">
+        <a:defRPr sz="1400" b="0" i="0" u="none" strike="noStrike" cap="none">
           <a:solidFill>
             <a:srgbClr val="000000"/>
           </a:solidFill>
@@ -5581,7 +5736,7 @@
           <a:sym typeface="Arial"/>
         </a:defRPr>
       </a:lvl5pPr>
-      <a:lvl6pPr lvl="5" marR="0" rtl="0" algn="l">
+      <a:lvl6pPr marR="0" lvl="5" algn="l" rtl="0">
         <a:lnSpc>
           <a:spcPct val="100000"/>
         </a:lnSpc>
@@ -5595,7 +5750,7 @@
           <a:srgbClr val="000000"/>
         </a:buClr>
         <a:buFont typeface="Arial"/>
-        <a:defRPr b="0" i="0" sz="1400" u="none" cap="none" strike="noStrike">
+        <a:defRPr sz="1400" b="0" i="0" u="none" strike="noStrike" cap="none">
           <a:solidFill>
             <a:srgbClr val="000000"/>
           </a:solidFill>
@@ -5605,7 +5760,7 @@
           <a:sym typeface="Arial"/>
         </a:defRPr>
       </a:lvl6pPr>
-      <a:lvl7pPr lvl="6" marR="0" rtl="0" algn="l">
+      <a:lvl7pPr marR="0" lvl="6" algn="l" rtl="0">
         <a:lnSpc>
           <a:spcPct val="100000"/>
         </a:lnSpc>
@@ -5619,7 +5774,7 @@
           <a:srgbClr val="000000"/>
         </a:buClr>
         <a:buFont typeface="Arial"/>
-        <a:defRPr b="0" i="0" sz="1400" u="none" cap="none" strike="noStrike">
+        <a:defRPr sz="1400" b="0" i="0" u="none" strike="noStrike" cap="none">
           <a:solidFill>
             <a:srgbClr val="000000"/>
           </a:solidFill>
@@ -5629,7 +5784,7 @@
           <a:sym typeface="Arial"/>
         </a:defRPr>
       </a:lvl7pPr>
-      <a:lvl8pPr lvl="7" marR="0" rtl="0" algn="l">
+      <a:lvl8pPr marR="0" lvl="7" algn="l" rtl="0">
         <a:lnSpc>
           <a:spcPct val="100000"/>
         </a:lnSpc>
@@ -5643,7 +5798,7 @@
           <a:srgbClr val="000000"/>
         </a:buClr>
         <a:buFont typeface="Arial"/>
-        <a:defRPr b="0" i="0" sz="1400" u="none" cap="none" strike="noStrike">
+        <a:defRPr sz="1400" b="0" i="0" u="none" strike="noStrike" cap="none">
           <a:solidFill>
             <a:srgbClr val="000000"/>
           </a:solidFill>
@@ -5653,7 +5808,7 @@
           <a:sym typeface="Arial"/>
         </a:defRPr>
       </a:lvl8pPr>
-      <a:lvl9pPr lvl="8" marR="0" rtl="0" algn="l">
+      <a:lvl9pPr marR="0" lvl="8" algn="l" rtl="0">
         <a:lnSpc>
           <a:spcPct val="100000"/>
         </a:lnSpc>
@@ -5667,7 +5822,7 @@
           <a:srgbClr val="000000"/>
         </a:buClr>
         <a:buFont typeface="Arial"/>
-        <a:defRPr b="0" i="0" sz="1400" u="none" cap="none" strike="noStrike">
+        <a:defRPr sz="1400" b="0" i="0" u="none" strike="noStrike" cap="none">
           <a:solidFill>
             <a:srgbClr val="000000"/>
           </a:solidFill>
@@ -5679,7 +5834,7 @@
       </a:lvl9pPr>
     </p:titleStyle>
     <p:bodyStyle>
-      <a:defPPr lvl="0" marR="0" rtl="0" algn="l">
+      <a:defPPr marR="0" lvl="0" algn="l" rtl="0">
         <a:lnSpc>
           <a:spcPct val="100000"/>
         </a:lnSpc>
@@ -5690,7 +5845,7 @@
           <a:spcPts val="0"/>
         </a:spcAft>
       </a:defPPr>
-      <a:lvl1pPr lvl="0" marR="0" rtl="0" algn="l">
+      <a:lvl1pPr marR="0" lvl="0" algn="l" rtl="0">
         <a:lnSpc>
           <a:spcPct val="100000"/>
         </a:lnSpc>
@@ -5704,7 +5859,7 @@
           <a:srgbClr val="000000"/>
         </a:buClr>
         <a:buFont typeface="Arial"/>
-        <a:defRPr b="0" i="0" sz="1400" u="none" cap="none" strike="noStrike">
+        <a:defRPr sz="1400" b="0" i="0" u="none" strike="noStrike" cap="none">
           <a:solidFill>
             <a:srgbClr val="000000"/>
           </a:solidFill>
@@ -5714,7 +5869,7 @@
           <a:sym typeface="Arial"/>
         </a:defRPr>
       </a:lvl1pPr>
-      <a:lvl2pPr lvl="1" marR="0" rtl="0" algn="l">
+      <a:lvl2pPr marR="0" lvl="1" algn="l" rtl="0">
         <a:lnSpc>
           <a:spcPct val="100000"/>
         </a:lnSpc>
@@ -5728,7 +5883,7 @@
           <a:srgbClr val="000000"/>
         </a:buClr>
         <a:buFont typeface="Arial"/>
-        <a:defRPr b="0" i="0" sz="1400" u="none" cap="none" strike="noStrike">
+        <a:defRPr sz="1400" b="0" i="0" u="none" strike="noStrike" cap="none">
           <a:solidFill>
             <a:srgbClr val="000000"/>
           </a:solidFill>
@@ -5738,7 +5893,7 @@
           <a:sym typeface="Arial"/>
         </a:defRPr>
       </a:lvl2pPr>
-      <a:lvl3pPr lvl="2" marR="0" rtl="0" algn="l">
+      <a:lvl3pPr marR="0" lvl="2" algn="l" rtl="0">
         <a:lnSpc>
           <a:spcPct val="100000"/>
         </a:lnSpc>
@@ -5752,7 +5907,7 @@
           <a:srgbClr val="000000"/>
         </a:buClr>
         <a:buFont typeface="Arial"/>
-        <a:defRPr b="0" i="0" sz="1400" u="none" cap="none" strike="noStrike">
+        <a:defRPr sz="1400" b="0" i="0" u="none" strike="noStrike" cap="none">
           <a:solidFill>
             <a:srgbClr val="000000"/>
           </a:solidFill>
@@ -5762,7 +5917,7 @@
           <a:sym typeface="Arial"/>
         </a:defRPr>
       </a:lvl3pPr>
-      <a:lvl4pPr lvl="3" marR="0" rtl="0" algn="l">
+      <a:lvl4pPr marR="0" lvl="3" algn="l" rtl="0">
         <a:lnSpc>
           <a:spcPct val="100000"/>
         </a:lnSpc>
@@ -5776,7 +5931,7 @@
           <a:srgbClr val="000000"/>
         </a:buClr>
         <a:buFont typeface="Arial"/>
-        <a:defRPr b="0" i="0" sz="1400" u="none" cap="none" strike="noStrike">
+        <a:defRPr sz="1400" b="0" i="0" u="none" strike="noStrike" cap="none">
           <a:solidFill>
             <a:srgbClr val="000000"/>
           </a:solidFill>
@@ -5786,7 +5941,7 @@
           <a:sym typeface="Arial"/>
         </a:defRPr>
       </a:lvl4pPr>
-      <a:lvl5pPr lvl="4" marR="0" rtl="0" algn="l">
+      <a:lvl5pPr marR="0" lvl="4" algn="l" rtl="0">
         <a:lnSpc>
           <a:spcPct val="100000"/>
         </a:lnSpc>
@@ -5800,7 +5955,7 @@
           <a:srgbClr val="000000"/>
         </a:buClr>
         <a:buFont typeface="Arial"/>
-        <a:defRPr b="0" i="0" sz="1400" u="none" cap="none" strike="noStrike">
+        <a:defRPr sz="1400" b="0" i="0" u="none" strike="noStrike" cap="none">
           <a:solidFill>
             <a:srgbClr val="000000"/>
           </a:solidFill>
@@ -5810,7 +5965,7 @@
           <a:sym typeface="Arial"/>
         </a:defRPr>
       </a:lvl5pPr>
-      <a:lvl6pPr lvl="5" marR="0" rtl="0" algn="l">
+      <a:lvl6pPr marR="0" lvl="5" algn="l" rtl="0">
         <a:lnSpc>
           <a:spcPct val="100000"/>
         </a:lnSpc>
@@ -5824,7 +5979,7 @@
           <a:srgbClr val="000000"/>
         </a:buClr>
         <a:buFont typeface="Arial"/>
-        <a:defRPr b="0" i="0" sz="1400" u="none" cap="none" strike="noStrike">
+        <a:defRPr sz="1400" b="0" i="0" u="none" strike="noStrike" cap="none">
           <a:solidFill>
             <a:srgbClr val="000000"/>
           </a:solidFill>
@@ -5834,7 +5989,7 @@
           <a:sym typeface="Arial"/>
         </a:defRPr>
       </a:lvl6pPr>
-      <a:lvl7pPr lvl="6" marR="0" rtl="0" algn="l">
+      <a:lvl7pPr marR="0" lvl="6" algn="l" rtl="0">
         <a:lnSpc>
           <a:spcPct val="100000"/>
         </a:lnSpc>
@@ -5848,7 +6003,7 @@
           <a:srgbClr val="000000"/>
         </a:buClr>
         <a:buFont typeface="Arial"/>
-        <a:defRPr b="0" i="0" sz="1400" u="none" cap="none" strike="noStrike">
+        <a:defRPr sz="1400" b="0" i="0" u="none" strike="noStrike" cap="none">
           <a:solidFill>
             <a:srgbClr val="000000"/>
           </a:solidFill>
@@ -5858,7 +6013,7 @@
           <a:sym typeface="Arial"/>
         </a:defRPr>
       </a:lvl7pPr>
-      <a:lvl8pPr lvl="7" marR="0" rtl="0" algn="l">
+      <a:lvl8pPr marR="0" lvl="7" algn="l" rtl="0">
         <a:lnSpc>
           <a:spcPct val="100000"/>
         </a:lnSpc>
@@ -5872,7 +6027,7 @@
           <a:srgbClr val="000000"/>
         </a:buClr>
         <a:buFont typeface="Arial"/>
-        <a:defRPr b="0" i="0" sz="1400" u="none" cap="none" strike="noStrike">
+        <a:defRPr sz="1400" b="0" i="0" u="none" strike="noStrike" cap="none">
           <a:solidFill>
             <a:srgbClr val="000000"/>
           </a:solidFill>
@@ -5882,7 +6037,7 @@
           <a:sym typeface="Arial"/>
         </a:defRPr>
       </a:lvl8pPr>
-      <a:lvl9pPr lvl="8" marR="0" rtl="0" algn="l">
+      <a:lvl9pPr marR="0" lvl="8" algn="l" rtl="0">
         <a:lnSpc>
           <a:spcPct val="100000"/>
         </a:lnSpc>
@@ -5896,7 +6051,7 @@
           <a:srgbClr val="000000"/>
         </a:buClr>
         <a:buFont typeface="Arial"/>
-        <a:defRPr b="0" i="0" sz="1400" u="none" cap="none" strike="noStrike">
+        <a:defRPr sz="1400" b="0" i="0" u="none" strike="noStrike" cap="none">
           <a:solidFill>
             <a:srgbClr val="000000"/>
           </a:solidFill>
@@ -5908,7 +6063,7 @@
       </a:lvl9pPr>
     </p:bodyStyle>
     <p:otherStyle>
-      <a:defPPr lvl="0" marR="0" rtl="0" algn="l">
+      <a:defPPr marR="0" lvl="0" algn="l" rtl="0">
         <a:lnSpc>
           <a:spcPct val="100000"/>
         </a:lnSpc>
@@ -5919,7 +6074,7 @@
           <a:spcPts val="0"/>
         </a:spcAft>
       </a:defPPr>
-      <a:lvl1pPr lvl="0" marR="0" rtl="0" algn="l">
+      <a:lvl1pPr marR="0" lvl="0" algn="l" rtl="0">
         <a:lnSpc>
           <a:spcPct val="100000"/>
         </a:lnSpc>
@@ -5933,7 +6088,7 @@
           <a:srgbClr val="000000"/>
         </a:buClr>
         <a:buFont typeface="Arial"/>
-        <a:defRPr b="0" i="0" sz="1400" u="none" cap="none" strike="noStrike">
+        <a:defRPr sz="1400" b="0" i="0" u="none" strike="noStrike" cap="none">
           <a:solidFill>
             <a:srgbClr val="000000"/>
           </a:solidFill>
@@ -5943,7 +6098,7 @@
           <a:sym typeface="Arial"/>
         </a:defRPr>
       </a:lvl1pPr>
-      <a:lvl2pPr lvl="1" marR="0" rtl="0" algn="l">
+      <a:lvl2pPr marR="0" lvl="1" algn="l" rtl="0">
         <a:lnSpc>
           <a:spcPct val="100000"/>
         </a:lnSpc>
@@ -5957,7 +6112,7 @@
           <a:srgbClr val="000000"/>
         </a:buClr>
         <a:buFont typeface="Arial"/>
-        <a:defRPr b="0" i="0" sz="1400" u="none" cap="none" strike="noStrike">
+        <a:defRPr sz="1400" b="0" i="0" u="none" strike="noStrike" cap="none">
           <a:solidFill>
             <a:srgbClr val="000000"/>
           </a:solidFill>
@@ -5967,7 +6122,7 @@
           <a:sym typeface="Arial"/>
         </a:defRPr>
       </a:lvl2pPr>
-      <a:lvl3pPr lvl="2" marR="0" rtl="0" algn="l">
+      <a:lvl3pPr marR="0" lvl="2" algn="l" rtl="0">
         <a:lnSpc>
           <a:spcPct val="100000"/>
         </a:lnSpc>
@@ -5981,7 +6136,7 @@
           <a:srgbClr val="000000"/>
         </a:buClr>
         <a:buFont typeface="Arial"/>
-        <a:defRPr b="0" i="0" sz="1400" u="none" cap="none" strike="noStrike">
+        <a:defRPr sz="1400" b="0" i="0" u="none" strike="noStrike" cap="none">
           <a:solidFill>
             <a:srgbClr val="000000"/>
           </a:solidFill>
@@ -5991,7 +6146,7 @@
           <a:sym typeface="Arial"/>
         </a:defRPr>
       </a:lvl3pPr>
-      <a:lvl4pPr lvl="3" marR="0" rtl="0" algn="l">
+      <a:lvl4pPr marR="0" lvl="3" algn="l" rtl="0">
         <a:lnSpc>
           <a:spcPct val="100000"/>
         </a:lnSpc>
@@ -6005,7 +6160,7 @@
           <a:srgbClr val="000000"/>
         </a:buClr>
         <a:buFont typeface="Arial"/>
-        <a:defRPr b="0" i="0" sz="1400" u="none" cap="none" strike="noStrike">
+        <a:defRPr sz="1400" b="0" i="0" u="none" strike="noStrike" cap="none">
           <a:solidFill>
             <a:srgbClr val="000000"/>
           </a:solidFill>
@@ -6015,7 +6170,7 @@
           <a:sym typeface="Arial"/>
         </a:defRPr>
       </a:lvl4pPr>
-      <a:lvl5pPr lvl="4" marR="0" rtl="0" algn="l">
+      <a:lvl5pPr marR="0" lvl="4" algn="l" rtl="0">
         <a:lnSpc>
           <a:spcPct val="100000"/>
         </a:lnSpc>
@@ -6029,7 +6184,7 @@
           <a:srgbClr val="000000"/>
         </a:buClr>
         <a:buFont typeface="Arial"/>
-        <a:defRPr b="0" i="0" sz="1400" u="none" cap="none" strike="noStrike">
+        <a:defRPr sz="1400" b="0" i="0" u="none" strike="noStrike" cap="none">
           <a:solidFill>
             <a:srgbClr val="000000"/>
           </a:solidFill>
@@ -6039,7 +6194,7 @@
           <a:sym typeface="Arial"/>
         </a:defRPr>
       </a:lvl5pPr>
-      <a:lvl6pPr lvl="5" marR="0" rtl="0" algn="l">
+      <a:lvl6pPr marR="0" lvl="5" algn="l" rtl="0">
         <a:lnSpc>
           <a:spcPct val="100000"/>
         </a:lnSpc>
@@ -6053,7 +6208,7 @@
           <a:srgbClr val="000000"/>
         </a:buClr>
         <a:buFont typeface="Arial"/>
-        <a:defRPr b="0" i="0" sz="1400" u="none" cap="none" strike="noStrike">
+        <a:defRPr sz="1400" b="0" i="0" u="none" strike="noStrike" cap="none">
           <a:solidFill>
             <a:srgbClr val="000000"/>
           </a:solidFill>
@@ -6063,7 +6218,7 @@
           <a:sym typeface="Arial"/>
         </a:defRPr>
       </a:lvl6pPr>
-      <a:lvl7pPr lvl="6" marR="0" rtl="0" algn="l">
+      <a:lvl7pPr marR="0" lvl="6" algn="l" rtl="0">
         <a:lnSpc>
           <a:spcPct val="100000"/>
         </a:lnSpc>
@@ -6077,7 +6232,7 @@
           <a:srgbClr val="000000"/>
         </a:buClr>
         <a:buFont typeface="Arial"/>
-        <a:defRPr b="0" i="0" sz="1400" u="none" cap="none" strike="noStrike">
+        <a:defRPr sz="1400" b="0" i="0" u="none" strike="noStrike" cap="none">
           <a:solidFill>
             <a:srgbClr val="000000"/>
           </a:solidFill>
@@ -6087,7 +6242,7 @@
           <a:sym typeface="Arial"/>
         </a:defRPr>
       </a:lvl7pPr>
-      <a:lvl8pPr lvl="7" marR="0" rtl="0" algn="l">
+      <a:lvl8pPr marR="0" lvl="7" algn="l" rtl="0">
         <a:lnSpc>
           <a:spcPct val="100000"/>
         </a:lnSpc>
@@ -6101,7 +6256,7 @@
           <a:srgbClr val="000000"/>
         </a:buClr>
         <a:buFont typeface="Arial"/>
-        <a:defRPr b="0" i="0" sz="1400" u="none" cap="none" strike="noStrike">
+        <a:defRPr sz="1400" b="0" i="0" u="none" strike="noStrike" cap="none">
           <a:solidFill>
             <a:srgbClr val="000000"/>
           </a:solidFill>
@@ -6111,7 +6266,7 @@
           <a:sym typeface="Arial"/>
         </a:defRPr>
       </a:lvl8pPr>
-      <a:lvl9pPr lvl="8" marR="0" rtl="0" algn="l">
+      <a:lvl9pPr marR="0" lvl="8" algn="l" rtl="0">
         <a:lnSpc>
           <a:spcPct val="100000"/>
         </a:lnSpc>
@@ -6125,7 +6280,7 @@
           <a:srgbClr val="000000"/>
         </a:buClr>
         <a:buFont typeface="Arial"/>
-        <a:defRPr b="0" i="0" sz="1400" u="none" cap="none" strike="noStrike">
+        <a:defRPr sz="1400" b="0" i="0" u="none" strike="noStrike" cap="none">
           <a:solidFill>
             <a:srgbClr val="000000"/>
           </a:solidFill>
@@ -6141,11 +6296,11 @@
 </file>
 
 <file path=ppt/slides/slide1.xml><?xml version="1.0" encoding="utf-8"?>
-<p:sld xmlns:a="http://schemas.openxmlformats.org/drawingml/2006/main" xmlns:r="http://schemas.openxmlformats.org/officeDocument/2006/relationships" xmlns:mc="http://schemas.openxmlformats.org/markup-compatibility/2006" xmlns:mv="urn:schemas-microsoft-com:mac:vml" xmlns:p="http://schemas.openxmlformats.org/presentationml/2006/main" xmlns:c="http://schemas.openxmlformats.org/drawingml/2006/chart" xmlns:dgm="http://schemas.openxmlformats.org/drawingml/2006/diagram" xmlns:o="urn:schemas-microsoft-com:office:office" xmlns:v="urn:schemas-microsoft-com:vml" xmlns:pvml="urn:schemas-microsoft-com:office:powerpoint" xmlns:com="http://schemas.openxmlformats.org/drawingml/2006/compatibility" xmlns:p14="http://schemas.microsoft.com/office/powerpoint/2010/main" xmlns:p15="http://schemas.microsoft.com/office/powerpoint/2012/main" xmlns:ahyp="http://schemas.microsoft.com/office/drawing/2018/hyperlinkcolor">
+<p:sld xmlns:a="http://schemas.openxmlformats.org/drawingml/2006/main" xmlns:r="http://schemas.openxmlformats.org/officeDocument/2006/relationships" xmlns:p="http://schemas.openxmlformats.org/presentationml/2006/main">
   <p:cSld>
     <p:spTree>
       <p:nvGrpSpPr>
-        <p:cNvPr id="53" name="Shape 53"/>
+        <p:cNvPr id="1" name="Shape 53"/>
         <p:cNvGrpSpPr/>
         <p:nvPr/>
       </p:nvGrpSpPr>
@@ -6177,12 +6332,12 @@
           </a:ln>
         </p:spPr>
         <p:txBody>
-          <a:bodyPr anchorCtr="0" anchor="t" bIns="91425" lIns="91425" spcFirstLastPara="1" rIns="91425" wrap="square" tIns="91425">
+          <a:bodyPr spcFirstLastPara="1" wrap="square" lIns="91425" tIns="91425" rIns="91425" bIns="91425" anchor="t" anchorCtr="0">
             <a:spAutoFit/>
           </a:bodyPr>
           <a:lstStyle/>
           <a:p>
-            <a:pPr indent="0" lvl="0" marL="0" rtl="0" algn="l">
+            <a:pPr marL="0" lvl="0" indent="0" algn="l" rtl="0">
               <a:lnSpc>
                 <a:spcPct val="115000"/>
               </a:lnSpc>
@@ -6199,9 +6354,6 @@
               <a:buFont typeface="Arial"/>
               <a:buNone/>
             </a:pPr>
-            <a:r>
-              <a:t/>
-            </a:r>
             <a:endParaRPr sz="2100">
               <a:solidFill>
                 <a:srgbClr val="E8E7E3"/>
@@ -6212,7 +6364,7 @@
             </a:endParaRPr>
           </a:p>
           <a:p>
-            <a:pPr indent="0" lvl="0" marL="0" rtl="0" algn="l">
+            <a:pPr marL="0" lvl="0" indent="0" algn="l" rtl="0">
               <a:spcBef>
                 <a:spcPts val="800"/>
               </a:spcBef>
@@ -6221,16 +6373,13 @@
               </a:spcAft>
               <a:buNone/>
             </a:pPr>
-            <a:r>
-              <a:t/>
-            </a:r>
             <a:endParaRPr/>
           </a:p>
         </p:txBody>
       </p:sp>
       <p:pic>
         <p:nvPicPr>
-          <p:cNvPr descr="Hamburger on Facebook 14.0" id="55" name="Google Shape;55;p13"/>
+          <p:cNvPr id="55" name="Google Shape;55;p13" descr="Hamburger on Facebook 14.0"/>
           <p:cNvPicPr preferRelativeResize="0"/>
           <p:nvPr/>
         </p:nvPicPr>
@@ -6258,7 +6407,7 @@
       </p:pic>
       <p:pic>
         <p:nvPicPr>
-          <p:cNvPr descr="Eyes on Facebook 14.0" id="56" name="Google Shape;56;p13"/>
+          <p:cNvPr id="56" name="Google Shape;56;p13" descr="Eyes on Facebook 14.0"/>
           <p:cNvPicPr preferRelativeResize="0"/>
           <p:nvPr/>
         </p:nvPicPr>
@@ -6293,7 +6442,7 @@
         <p:spPr>
           <a:xfrm>
             <a:off x="716250" y="1713500"/>
-            <a:ext cx="7711500" cy="800400"/>
+            <a:ext cx="7711500" cy="1415742"/>
           </a:xfrm>
           <a:prstGeom prst="rect">
             <a:avLst/>
@@ -6304,12 +6453,12 @@
           </a:ln>
         </p:spPr>
         <p:txBody>
-          <a:bodyPr anchorCtr="0" anchor="t" bIns="91425" lIns="91425" spcFirstLastPara="1" rIns="91425" wrap="square" tIns="91425">
+          <a:bodyPr spcFirstLastPara="1" wrap="square" lIns="91425" tIns="91425" rIns="91425" bIns="91425" anchor="t" anchorCtr="0">
             <a:spAutoFit/>
           </a:bodyPr>
           <a:lstStyle/>
           <a:p>
-            <a:pPr indent="0" lvl="0" marL="0" rtl="0" algn="ctr">
+            <a:pPr marL="0" lvl="0" indent="0" algn="ctr" rtl="0">
               <a:spcBef>
                 <a:spcPts val="0"/>
               </a:spcBef>
@@ -6319,15 +6468,26 @@
               <a:buNone/>
             </a:pPr>
             <a:r>
-              <a:rPr lang="en" sz="4000">
+              <a:rPr lang="en" sz="4000" dirty="0">
                 <a:latin typeface="Mukta ExtraBold"/>
                 <a:ea typeface="Mukta ExtraBold"/>
                 <a:cs typeface="Mukta ExtraBold"/>
                 <a:sym typeface="Mukta ExtraBold"/>
               </a:rPr>
-              <a:t>What_Am_I_Eating</a:t>
+              <a:t>MunchMatch</a:t>
             </a:r>
-            <a:endParaRPr sz="4000">
+          </a:p>
+          <a:p>
+            <a:pPr marL="0" lvl="0" indent="0" algn="ctr" rtl="0">
+              <a:spcBef>
+                <a:spcPts val="0"/>
+              </a:spcBef>
+              <a:spcAft>
+                <a:spcPts val="0"/>
+              </a:spcAft>
+              <a:buNone/>
+            </a:pPr>
+            <a:endParaRPr lang="en" sz="4000" dirty="0">
               <a:latin typeface="Mukta ExtraBold"/>
               <a:ea typeface="Mukta ExtraBold"/>
               <a:cs typeface="Mukta ExtraBold"/>
@@ -6345,11 +6505,11 @@
 </file>
 
 <file path=ppt/slides/slide2.xml><?xml version="1.0" encoding="utf-8"?>
-<p:sld xmlns:a="http://schemas.openxmlformats.org/drawingml/2006/main" xmlns:r="http://schemas.openxmlformats.org/officeDocument/2006/relationships" xmlns:mc="http://schemas.openxmlformats.org/markup-compatibility/2006" xmlns:mv="urn:schemas-microsoft-com:mac:vml" xmlns:p="http://schemas.openxmlformats.org/presentationml/2006/main" xmlns:c="http://schemas.openxmlformats.org/drawingml/2006/chart" xmlns:dgm="http://schemas.openxmlformats.org/drawingml/2006/diagram" xmlns:o="urn:schemas-microsoft-com:office:office" xmlns:v="urn:schemas-microsoft-com:vml" xmlns:pvml="urn:schemas-microsoft-com:office:powerpoint" xmlns:com="http://schemas.openxmlformats.org/drawingml/2006/compatibility" xmlns:p14="http://schemas.microsoft.com/office/powerpoint/2010/main" xmlns:p15="http://schemas.microsoft.com/office/powerpoint/2012/main" xmlns:ahyp="http://schemas.microsoft.com/office/drawing/2018/hyperlinkcolor">
+<p:sld xmlns:a="http://schemas.openxmlformats.org/drawingml/2006/main" xmlns:r="http://schemas.openxmlformats.org/officeDocument/2006/relationships" xmlns:p="http://schemas.openxmlformats.org/presentationml/2006/main">
   <p:cSld>
     <p:spTree>
       <p:nvGrpSpPr>
-        <p:cNvPr id="61" name="Shape 61"/>
+        <p:cNvPr id="1" name="Shape 61"/>
         <p:cNvGrpSpPr/>
         <p:nvPr/>
       </p:nvGrpSpPr>
@@ -6381,12 +6541,12 @@
           </a:ln>
         </p:spPr>
         <p:txBody>
-          <a:bodyPr anchorCtr="0" anchor="t" bIns="91425" lIns="91425" spcFirstLastPara="1" rIns="91425" wrap="square" tIns="91425">
+          <a:bodyPr spcFirstLastPara="1" wrap="square" lIns="91425" tIns="91425" rIns="91425" bIns="91425" anchor="t" anchorCtr="0">
             <a:noAutofit/>
           </a:bodyPr>
           <a:lstStyle/>
           <a:p>
-            <a:pPr indent="0" lvl="0" marL="457200" rtl="0" algn="ctr">
+            <a:pPr marL="457200" lvl="0" indent="0" algn="ctr" rtl="0">
               <a:spcBef>
                 <a:spcPts val="0"/>
               </a:spcBef>
@@ -6450,11 +6610,11 @@
 </file>
 
 <file path=ppt/slides/slide3.xml><?xml version="1.0" encoding="utf-8"?>
-<p:sld xmlns:a="http://schemas.openxmlformats.org/drawingml/2006/main" xmlns:r="http://schemas.openxmlformats.org/officeDocument/2006/relationships" xmlns:mc="http://schemas.openxmlformats.org/markup-compatibility/2006" xmlns:mv="urn:schemas-microsoft-com:mac:vml" xmlns:p="http://schemas.openxmlformats.org/presentationml/2006/main" xmlns:c="http://schemas.openxmlformats.org/drawingml/2006/chart" xmlns:dgm="http://schemas.openxmlformats.org/drawingml/2006/diagram" xmlns:o="urn:schemas-microsoft-com:office:office" xmlns:v="urn:schemas-microsoft-com:vml" xmlns:pvml="urn:schemas-microsoft-com:office:powerpoint" xmlns:com="http://schemas.openxmlformats.org/drawingml/2006/compatibility" xmlns:p14="http://schemas.microsoft.com/office/powerpoint/2010/main" xmlns:p15="http://schemas.microsoft.com/office/powerpoint/2012/main" xmlns:ahyp="http://schemas.microsoft.com/office/drawing/2018/hyperlinkcolor">
+<p:sld xmlns:a="http://schemas.openxmlformats.org/drawingml/2006/main" xmlns:r="http://schemas.openxmlformats.org/officeDocument/2006/relationships" xmlns:p="http://schemas.openxmlformats.org/presentationml/2006/main">
   <p:cSld>
     <p:spTree>
       <p:nvGrpSpPr>
-        <p:cNvPr id="67" name="Shape 67"/>
+        <p:cNvPr id="1" name="Shape 67"/>
         <p:cNvGrpSpPr/>
         <p:nvPr/>
       </p:nvGrpSpPr>
@@ -6486,12 +6646,12 @@
           </a:ln>
         </p:spPr>
         <p:txBody>
-          <a:bodyPr anchorCtr="0" anchor="t" bIns="91425" lIns="91425" spcFirstLastPara="1" rIns="91425" wrap="square" tIns="91425">
+          <a:bodyPr spcFirstLastPara="1" wrap="square" lIns="91425" tIns="91425" rIns="91425" bIns="91425" anchor="t" anchorCtr="0">
             <a:spAutoFit/>
           </a:bodyPr>
           <a:lstStyle/>
           <a:p>
-            <a:pPr indent="0" lvl="0" marL="0" rtl="0" algn="ctr">
+            <a:pPr marL="0" lvl="0" indent="0" algn="ctr" rtl="0">
               <a:spcBef>
                 <a:spcPts val="0"/>
               </a:spcBef>
@@ -6555,11 +6715,11 @@
 </file>
 
 <file path=ppt/slides/slide4.xml><?xml version="1.0" encoding="utf-8"?>
-<p:sld xmlns:a="http://schemas.openxmlformats.org/drawingml/2006/main" xmlns:r="http://schemas.openxmlformats.org/officeDocument/2006/relationships" xmlns:mc="http://schemas.openxmlformats.org/markup-compatibility/2006" xmlns:mv="urn:schemas-microsoft-com:mac:vml" xmlns:p="http://schemas.openxmlformats.org/presentationml/2006/main" xmlns:c="http://schemas.openxmlformats.org/drawingml/2006/chart" xmlns:dgm="http://schemas.openxmlformats.org/drawingml/2006/diagram" xmlns:o="urn:schemas-microsoft-com:office:office" xmlns:v="urn:schemas-microsoft-com:vml" xmlns:pvml="urn:schemas-microsoft-com:office:powerpoint" xmlns:com="http://schemas.openxmlformats.org/drawingml/2006/compatibility" xmlns:p14="http://schemas.microsoft.com/office/powerpoint/2010/main" xmlns:p15="http://schemas.microsoft.com/office/powerpoint/2012/main" xmlns:ahyp="http://schemas.microsoft.com/office/drawing/2018/hyperlinkcolor">
+<p:sld xmlns:a="http://schemas.openxmlformats.org/drawingml/2006/main" xmlns:r="http://schemas.openxmlformats.org/officeDocument/2006/relationships" xmlns:p="http://schemas.openxmlformats.org/presentationml/2006/main">
   <p:cSld>
     <p:spTree>
       <p:nvGrpSpPr>
-        <p:cNvPr id="73" name="Shape 73"/>
+        <p:cNvPr id="1" name="Shape 73"/>
         <p:cNvGrpSpPr/>
         <p:nvPr/>
       </p:nvGrpSpPr>
@@ -6591,12 +6751,12 @@
           </a:ln>
         </p:spPr>
         <p:txBody>
-          <a:bodyPr anchorCtr="0" anchor="t" bIns="91425" lIns="91425" spcFirstLastPara="1" rIns="91425" wrap="square" tIns="91425">
+          <a:bodyPr spcFirstLastPara="1" wrap="square" lIns="91425" tIns="91425" rIns="91425" bIns="91425" anchor="t" anchorCtr="0">
             <a:spAutoFit/>
           </a:bodyPr>
           <a:lstStyle/>
           <a:p>
-            <a:pPr indent="0" lvl="0" marL="0" rtl="0" algn="ctr">
+            <a:pPr marL="0" lvl="0" indent="0" algn="ctr" rtl="0">
               <a:spcBef>
                 <a:spcPts val="0"/>
               </a:spcBef>
@@ -6660,11 +6820,11 @@
 </file>
 
 <file path=ppt/slides/slide5.xml><?xml version="1.0" encoding="utf-8"?>
-<p:sld xmlns:a="http://schemas.openxmlformats.org/drawingml/2006/main" xmlns:r="http://schemas.openxmlformats.org/officeDocument/2006/relationships" xmlns:mc="http://schemas.openxmlformats.org/markup-compatibility/2006" xmlns:mv="urn:schemas-microsoft-com:mac:vml" xmlns:p="http://schemas.openxmlformats.org/presentationml/2006/main" xmlns:c="http://schemas.openxmlformats.org/drawingml/2006/chart" xmlns:dgm="http://schemas.openxmlformats.org/drawingml/2006/diagram" xmlns:o="urn:schemas-microsoft-com:office:office" xmlns:v="urn:schemas-microsoft-com:vml" xmlns:pvml="urn:schemas-microsoft-com:office:powerpoint" xmlns:com="http://schemas.openxmlformats.org/drawingml/2006/compatibility" xmlns:p14="http://schemas.microsoft.com/office/powerpoint/2010/main" xmlns:p15="http://schemas.microsoft.com/office/powerpoint/2012/main" xmlns:ahyp="http://schemas.microsoft.com/office/drawing/2018/hyperlinkcolor">
+<p:sld xmlns:a="http://schemas.openxmlformats.org/drawingml/2006/main" xmlns:r="http://schemas.openxmlformats.org/officeDocument/2006/relationships" xmlns:p="http://schemas.openxmlformats.org/presentationml/2006/main">
   <p:cSld>
     <p:spTree>
       <p:nvGrpSpPr>
-        <p:cNvPr id="79" name="Shape 79"/>
+        <p:cNvPr id="1" name="Shape 79"/>
         <p:cNvGrpSpPr/>
         <p:nvPr/>
       </p:nvGrpSpPr>
@@ -6696,12 +6856,12 @@
           </a:ln>
         </p:spPr>
         <p:txBody>
-          <a:bodyPr anchorCtr="0" anchor="t" bIns="91425" lIns="91425" spcFirstLastPara="1" rIns="91425" wrap="square" tIns="91425">
+          <a:bodyPr spcFirstLastPara="1" wrap="square" lIns="91425" tIns="91425" rIns="91425" bIns="91425" anchor="t" anchorCtr="0">
             <a:spAutoFit/>
           </a:bodyPr>
           <a:lstStyle/>
           <a:p>
-            <a:pPr indent="0" lvl="0" marL="0" rtl="0" algn="ctr">
+            <a:pPr marL="0" lvl="0" indent="0" algn="ctr" rtl="0">
               <a:spcBef>
                 <a:spcPts val="0"/>
               </a:spcBef>
@@ -6737,11 +6897,11 @@
 </file>
 
 <file path=ppt/slides/slide6.xml><?xml version="1.0" encoding="utf-8"?>
-<p:sld xmlns:a="http://schemas.openxmlformats.org/drawingml/2006/main" xmlns:r="http://schemas.openxmlformats.org/officeDocument/2006/relationships" xmlns:mc="http://schemas.openxmlformats.org/markup-compatibility/2006" xmlns:mv="urn:schemas-microsoft-com:mac:vml" xmlns:p="http://schemas.openxmlformats.org/presentationml/2006/main" xmlns:c="http://schemas.openxmlformats.org/drawingml/2006/chart" xmlns:dgm="http://schemas.openxmlformats.org/drawingml/2006/diagram" xmlns:o="urn:schemas-microsoft-com:office:office" xmlns:v="urn:schemas-microsoft-com:vml" xmlns:pvml="urn:schemas-microsoft-com:office:powerpoint" xmlns:com="http://schemas.openxmlformats.org/drawingml/2006/compatibility" xmlns:p14="http://schemas.microsoft.com/office/powerpoint/2010/main" xmlns:p15="http://schemas.microsoft.com/office/powerpoint/2012/main" xmlns:ahyp="http://schemas.microsoft.com/office/drawing/2018/hyperlinkcolor">
+<p:sld xmlns:a="http://schemas.openxmlformats.org/drawingml/2006/main" xmlns:r="http://schemas.openxmlformats.org/officeDocument/2006/relationships" xmlns:p="http://schemas.openxmlformats.org/presentationml/2006/main">
   <p:cSld>
     <p:spTree>
       <p:nvGrpSpPr>
-        <p:cNvPr id="84" name="Shape 84"/>
+        <p:cNvPr id="1" name="Shape 84"/>
         <p:cNvGrpSpPr/>
         <p:nvPr/>
       </p:nvGrpSpPr>
@@ -6773,12 +6933,12 @@
           </a:ln>
         </p:spPr>
         <p:txBody>
-          <a:bodyPr anchorCtr="0" anchor="t" bIns="91425" lIns="91425" spcFirstLastPara="1" rIns="91425" wrap="square" tIns="91425">
+          <a:bodyPr spcFirstLastPara="1" wrap="square" lIns="91425" tIns="91425" rIns="91425" bIns="91425" anchor="t" anchorCtr="0">
             <a:spAutoFit/>
           </a:bodyPr>
           <a:lstStyle/>
           <a:p>
-            <a:pPr indent="0" lvl="0" marL="0" rtl="0" algn="ctr">
+            <a:pPr marL="0" lvl="0" indent="0" algn="ctr" rtl="0">
               <a:spcBef>
                 <a:spcPts val="0"/>
               </a:spcBef>
@@ -6814,11 +6974,11 @@
 </file>
 
 <file path=ppt/slides/slide7.xml><?xml version="1.0" encoding="utf-8"?>
-<p:sld xmlns:a="http://schemas.openxmlformats.org/drawingml/2006/main" xmlns:r="http://schemas.openxmlformats.org/officeDocument/2006/relationships" xmlns:mc="http://schemas.openxmlformats.org/markup-compatibility/2006" xmlns:mv="urn:schemas-microsoft-com:mac:vml" xmlns:p="http://schemas.openxmlformats.org/presentationml/2006/main" xmlns:c="http://schemas.openxmlformats.org/drawingml/2006/chart" xmlns:dgm="http://schemas.openxmlformats.org/drawingml/2006/diagram" xmlns:o="urn:schemas-microsoft-com:office:office" xmlns:v="urn:schemas-microsoft-com:vml" xmlns:pvml="urn:schemas-microsoft-com:office:powerpoint" xmlns:com="http://schemas.openxmlformats.org/drawingml/2006/compatibility" xmlns:p14="http://schemas.microsoft.com/office/powerpoint/2010/main" xmlns:p15="http://schemas.microsoft.com/office/powerpoint/2012/main" xmlns:ahyp="http://schemas.microsoft.com/office/drawing/2018/hyperlinkcolor">
+<p:sld xmlns:a="http://schemas.openxmlformats.org/drawingml/2006/main" xmlns:r="http://schemas.openxmlformats.org/officeDocument/2006/relationships" xmlns:p="http://schemas.openxmlformats.org/presentationml/2006/main">
   <p:cSld>
     <p:spTree>
       <p:nvGrpSpPr>
-        <p:cNvPr id="89" name="Shape 89"/>
+        <p:cNvPr id="1" name="Shape 89"/>
         <p:cNvGrpSpPr/>
         <p:nvPr/>
       </p:nvGrpSpPr>
@@ -6850,12 +7010,12 @@
           </a:ln>
         </p:spPr>
         <p:txBody>
-          <a:bodyPr anchorCtr="0" anchor="t" bIns="91425" lIns="91425" spcFirstLastPara="1" rIns="91425" wrap="square" tIns="91425">
+          <a:bodyPr spcFirstLastPara="1" wrap="square" lIns="91425" tIns="91425" rIns="91425" bIns="91425" anchor="t" anchorCtr="0">
             <a:spAutoFit/>
           </a:bodyPr>
           <a:lstStyle/>
           <a:p>
-            <a:pPr indent="0" lvl="0" marL="0" rtl="0" algn="ctr">
+            <a:pPr marL="0" lvl="0" indent="0" algn="ctr" rtl="0">
               <a:spcBef>
                 <a:spcPts val="0"/>
               </a:spcBef>
@@ -6891,11 +7051,11 @@
 </file>
 
 <file path=ppt/slides/slide8.xml><?xml version="1.0" encoding="utf-8"?>
-<p:sld xmlns:a="http://schemas.openxmlformats.org/drawingml/2006/main" xmlns:r="http://schemas.openxmlformats.org/officeDocument/2006/relationships" xmlns:mc="http://schemas.openxmlformats.org/markup-compatibility/2006" xmlns:mv="urn:schemas-microsoft-com:mac:vml" xmlns:p="http://schemas.openxmlformats.org/presentationml/2006/main" xmlns:c="http://schemas.openxmlformats.org/drawingml/2006/chart" xmlns:dgm="http://schemas.openxmlformats.org/drawingml/2006/diagram" xmlns:o="urn:schemas-microsoft-com:office:office" xmlns:v="urn:schemas-microsoft-com:vml" xmlns:pvml="urn:schemas-microsoft-com:office:powerpoint" xmlns:com="http://schemas.openxmlformats.org/drawingml/2006/compatibility" xmlns:p14="http://schemas.microsoft.com/office/powerpoint/2010/main" xmlns:p15="http://schemas.microsoft.com/office/powerpoint/2012/main" xmlns:ahyp="http://schemas.microsoft.com/office/drawing/2018/hyperlinkcolor">
+<p:sld xmlns:a="http://schemas.openxmlformats.org/drawingml/2006/main" xmlns:r="http://schemas.openxmlformats.org/officeDocument/2006/relationships" xmlns:p="http://schemas.openxmlformats.org/presentationml/2006/main">
   <p:cSld>
     <p:spTree>
       <p:nvGrpSpPr>
-        <p:cNvPr id="94" name="Shape 94"/>
+        <p:cNvPr id="1" name="Shape 94"/>
         <p:cNvGrpSpPr/>
         <p:nvPr/>
       </p:nvGrpSpPr>
@@ -6927,12 +7087,12 @@
           </a:ln>
         </p:spPr>
         <p:txBody>
-          <a:bodyPr anchorCtr="0" anchor="t" bIns="91425" lIns="91425" spcFirstLastPara="1" rIns="91425" wrap="square" tIns="91425">
+          <a:bodyPr spcFirstLastPara="1" wrap="square" lIns="91425" tIns="91425" rIns="91425" bIns="91425" anchor="t" anchorCtr="0">
             <a:spAutoFit/>
           </a:bodyPr>
           <a:lstStyle/>
           <a:p>
-            <a:pPr indent="0" lvl="0" marL="0" rtl="0" algn="ctr">
+            <a:pPr marL="0" lvl="0" indent="0" algn="ctr" rtl="0">
               <a:spcBef>
                 <a:spcPts val="0"/>
               </a:spcBef>
@@ -6968,7 +7128,7 @@
 </file>
 
 <file path=ppt/theme/theme1.xml><?xml version="1.0" encoding="utf-8"?>
-<a:theme xmlns:a="http://schemas.openxmlformats.org/drawingml/2006/main" xmlns:r="http://schemas.openxmlformats.org/officeDocument/2006/relationships" name="Simple Light">
+<a:theme xmlns:a="http://schemas.openxmlformats.org/drawingml/2006/main" name="Simple Light">
   <a:themeElements>
     <a:clrScheme name="Simple Light">
       <a:dk1>
@@ -7243,11 +7403,13 @@
       </a:bgFillStyleLst>
     </a:fmtScheme>
   </a:themeElements>
+  <a:objectDefaults/>
+  <a:extraClrSchemeLst/>
 </a:theme>
 </file>
 
 <file path=ppt/theme/theme2.xml><?xml version="1.0" encoding="utf-8"?>
-<a:theme xmlns:a="http://schemas.openxmlformats.org/drawingml/2006/main" xmlns:r="http://schemas.openxmlformats.org/officeDocument/2006/relationships">
+<a:theme xmlns:a="http://schemas.openxmlformats.org/drawingml/2006/main">
   <a:themeElements>
     <a:clrScheme name="Default">
       <a:dk1>
@@ -7522,5 +7684,7 @@
       </a:bgFillStyleLst>
     </a:fmtScheme>
   </a:themeElements>
+  <a:objectDefaults/>
+  <a:extraClrSchemeLst/>
 </a:theme>
 </file>